--- a/CalendarioAgo2022/presentaciones/12_Archivos.pptx
+++ b/CalendarioAgo2022/presentaciones/12_Archivos.pptx
@@ -231,7 +231,7 @@
           <a:p>
             <a:fld id="{59C7E2AA-6A4C-4042-9554-ED2A913B287A}" type="datetimeFigureOut">
               <a:rPr lang="es-MX" smtClean="0"/>
-              <a:t>12/10/2021</a:t>
+              <a:t>10/10/2022</a:t>
             </a:fld>
             <a:endParaRPr lang="es-MX" dirty="0"/>
           </a:p>
@@ -3352,7 +3352,7 @@
           <a:p>
             <a:fld id="{BAE3B62E-9D6B-4C41-BFE5-D19C53A0513B}" type="datetimeFigureOut">
               <a:rPr lang="es-MX" smtClean="0"/>
-              <a:t>12/10/2021</a:t>
+              <a:t>10/10/2022</a:t>
             </a:fld>
             <a:endParaRPr lang="es-MX" dirty="0"/>
           </a:p>
@@ -3522,7 +3522,7 @@
           <a:p>
             <a:fld id="{BAE3B62E-9D6B-4C41-BFE5-D19C53A0513B}" type="datetimeFigureOut">
               <a:rPr lang="es-MX" smtClean="0"/>
-              <a:t>12/10/2021</a:t>
+              <a:t>10/10/2022</a:t>
             </a:fld>
             <a:endParaRPr lang="es-MX" dirty="0"/>
           </a:p>
@@ -3702,7 +3702,7 @@
           <a:p>
             <a:fld id="{BAE3B62E-9D6B-4C41-BFE5-D19C53A0513B}" type="datetimeFigureOut">
               <a:rPr lang="es-MX" smtClean="0"/>
-              <a:t>12/10/2021</a:t>
+              <a:t>10/10/2022</a:t>
             </a:fld>
             <a:endParaRPr lang="es-MX" dirty="0"/>
           </a:p>
@@ -3855,7 +3855,7 @@
           <a:p>
             <a:fld id="{1D8BD707-D9CF-40AE-B4C6-C98DA3205C09}" type="datetimeFigureOut">
               <a:rPr lang="en-US" smtClean="0"/>
-              <a:t>10/12/2021</a:t>
+              <a:t>10/10/2022</a:t>
             </a:fld>
             <a:endParaRPr lang="en-US"/>
           </a:p>
@@ -4015,7 +4015,7 @@
           <a:p>
             <a:fld id="{BAE3B62E-9D6B-4C41-BFE5-D19C53A0513B}" type="datetimeFigureOut">
               <a:rPr lang="es-MX" smtClean="0"/>
-              <a:t>12/10/2021</a:t>
+              <a:t>10/10/2022</a:t>
             </a:fld>
             <a:endParaRPr lang="es-MX" dirty="0"/>
           </a:p>
@@ -4261,7 +4261,7 @@
           <a:p>
             <a:fld id="{BAE3B62E-9D6B-4C41-BFE5-D19C53A0513B}" type="datetimeFigureOut">
               <a:rPr lang="es-MX" smtClean="0"/>
-              <a:t>12/10/2021</a:t>
+              <a:t>10/10/2022</a:t>
             </a:fld>
             <a:endParaRPr lang="es-MX" dirty="0"/>
           </a:p>
@@ -4549,7 +4549,7 @@
           <a:p>
             <a:fld id="{BAE3B62E-9D6B-4C41-BFE5-D19C53A0513B}" type="datetimeFigureOut">
               <a:rPr lang="es-MX" smtClean="0"/>
-              <a:t>12/10/2021</a:t>
+              <a:t>10/10/2022</a:t>
             </a:fld>
             <a:endParaRPr lang="es-MX" dirty="0"/>
           </a:p>
@@ -4971,7 +4971,7 @@
           <a:p>
             <a:fld id="{BAE3B62E-9D6B-4C41-BFE5-D19C53A0513B}" type="datetimeFigureOut">
               <a:rPr lang="es-MX" smtClean="0"/>
-              <a:t>12/10/2021</a:t>
+              <a:t>10/10/2022</a:t>
             </a:fld>
             <a:endParaRPr lang="es-MX" dirty="0"/>
           </a:p>
@@ -5089,7 +5089,7 @@
           <a:p>
             <a:fld id="{BAE3B62E-9D6B-4C41-BFE5-D19C53A0513B}" type="datetimeFigureOut">
               <a:rPr lang="es-MX" smtClean="0"/>
-              <a:t>12/10/2021</a:t>
+              <a:t>10/10/2022</a:t>
             </a:fld>
             <a:endParaRPr lang="es-MX" dirty="0"/>
           </a:p>
@@ -5184,7 +5184,7 @@
           <a:p>
             <a:fld id="{BAE3B62E-9D6B-4C41-BFE5-D19C53A0513B}" type="datetimeFigureOut">
               <a:rPr lang="es-MX" smtClean="0"/>
-              <a:t>12/10/2021</a:t>
+              <a:t>10/10/2022</a:t>
             </a:fld>
             <a:endParaRPr lang="es-MX" dirty="0"/>
           </a:p>
@@ -5461,7 +5461,7 @@
           <a:p>
             <a:fld id="{BAE3B62E-9D6B-4C41-BFE5-D19C53A0513B}" type="datetimeFigureOut">
               <a:rPr lang="es-MX" smtClean="0"/>
-              <a:t>12/10/2021</a:t>
+              <a:t>10/10/2022</a:t>
             </a:fld>
             <a:endParaRPr lang="es-MX" dirty="0"/>
           </a:p>
@@ -5714,7 +5714,7 @@
           <a:p>
             <a:fld id="{BAE3B62E-9D6B-4C41-BFE5-D19C53A0513B}" type="datetimeFigureOut">
               <a:rPr lang="es-MX" smtClean="0"/>
-              <a:t>12/10/2021</a:t>
+              <a:t>10/10/2022</a:t>
             </a:fld>
             <a:endParaRPr lang="es-MX" dirty="0"/>
           </a:p>
@@ -5927,7 +5927,7 @@
           <a:p>
             <a:fld id="{BAE3B62E-9D6B-4C41-BFE5-D19C53A0513B}" type="datetimeFigureOut">
               <a:rPr lang="es-MX" smtClean="0"/>
-              <a:t>12/10/2021</a:t>
+              <a:t>10/10/2022</a:t>
             </a:fld>
             <a:endParaRPr lang="es-MX" dirty="0"/>
           </a:p>
@@ -6315,7 +6315,7 @@
         </p:nvSpPr>
         <p:spPr>
           <a:xfrm>
-            <a:off x="1227584" y="1988840"/>
+            <a:off x="1207604" y="2219726"/>
             <a:ext cx="6728792" cy="1281282"/>
           </a:xfrm>
         </p:spPr>
@@ -6356,92 +6356,6 @@
               </a:rPr>
               <a:t>Tecnológico de Monterrey</a:t>
             </a:r>
-          </a:p>
-        </p:txBody>
-      </p:sp>
-      <p:sp>
-        <p:nvSpPr>
-          <p:cNvPr id="7" name="Title 1">
-            <a:extLst>
-              <a:ext uri="{FF2B5EF4-FFF2-40B4-BE49-F238E27FC236}">
-                <a16:creationId xmlns:a16="http://schemas.microsoft.com/office/drawing/2014/main" id="{C76FDE9F-BE31-4C18-94A8-6C66B7C80D3B}"/>
-              </a:ext>
-            </a:extLst>
-          </p:cNvPr>
-          <p:cNvSpPr txBox="1">
-            <a:spLocks/>
-          </p:cNvSpPr>
-          <p:nvPr/>
-        </p:nvSpPr>
-        <p:spPr>
-          <a:xfrm>
-            <a:off x="1006630" y="404664"/>
-            <a:ext cx="7342584" cy="1470025"/>
-          </a:xfrm>
-          <a:prstGeom prst="rect">
-            <a:avLst/>
-          </a:prstGeom>
-        </p:spPr>
-        <p:txBody>
-          <a:bodyPr vert="horz" lIns="91440" tIns="45720" rIns="91440" bIns="45720" rtlCol="0" anchor="ctr">
-            <a:normAutofit fontScale="97500"/>
-          </a:bodyPr>
-          <a:lstStyle>
-            <a:lvl1pPr algn="ctr" defTabSz="914400" rtl="0" eaLnBrk="1" latinLnBrk="0" hangingPunct="1">
-              <a:spcBef>
-                <a:spcPct val="0"/>
-              </a:spcBef>
-              <a:buNone/>
-              <a:defRPr sz="4400" kern="1200">
-                <a:solidFill>
-                  <a:schemeClr val="tx1"/>
-                </a:solidFill>
-                <a:latin typeface="+mj-lt"/>
-                <a:ea typeface="+mj-ea"/>
-                <a:cs typeface="+mj-cs"/>
-              </a:defRPr>
-            </a:lvl1pPr>
-          </a:lstStyle>
-          <a:p>
-            <a:pPr algn="l">
-              <a:defRPr/>
-            </a:pPr>
-            <a:r>
-              <a:rPr lang="es-MX" sz="3200">
-                <a:solidFill>
-                  <a:schemeClr val="bg2">
-                    <a:lumMod val="50000"/>
-                  </a:schemeClr>
-                </a:solidFill>
-              </a:rPr>
-              <a:t>TC1028 </a:t>
-            </a:r>
-            <a:br>
-              <a:rPr lang="es-MX" sz="3200">
-                <a:solidFill>
-                  <a:schemeClr val="bg2">
-                    <a:lumMod val="50000"/>
-                  </a:schemeClr>
-                </a:solidFill>
-              </a:rPr>
-            </a:br>
-            <a:r>
-              <a:rPr lang="es-MX" sz="3200">
-                <a:solidFill>
-                  <a:schemeClr val="bg2">
-                    <a:lumMod val="50000"/>
-                  </a:schemeClr>
-                </a:solidFill>
-              </a:rPr>
-              <a:t>Pensamiento Computacional para Ingeniería</a:t>
-            </a:r>
-            <a:endParaRPr lang="es-MX" sz="3200" dirty="0">
-              <a:solidFill>
-                <a:schemeClr val="bg2">
-                  <a:lumMod val="50000"/>
-                </a:schemeClr>
-              </a:solidFill>
-            </a:endParaRPr>
           </a:p>
         </p:txBody>
       </p:sp>
@@ -6481,6 +6395,85 @@
           </a:prstGeom>
         </p:spPr>
       </p:pic>
+      <p:sp>
+        <p:nvSpPr>
+          <p:cNvPr id="5" name="Title 1">
+            <a:extLst>
+              <a:ext uri="{FF2B5EF4-FFF2-40B4-BE49-F238E27FC236}">
+                <a16:creationId xmlns:a16="http://schemas.microsoft.com/office/drawing/2014/main" id="{21CCDEE3-92F2-40D7-B31B-F3F58EC0FC0D}"/>
+              </a:ext>
+            </a:extLst>
+          </p:cNvPr>
+          <p:cNvSpPr txBox="1">
+            <a:spLocks/>
+          </p:cNvSpPr>
+          <p:nvPr/>
+        </p:nvSpPr>
+        <p:spPr>
+          <a:xfrm>
+            <a:off x="755576" y="518815"/>
+            <a:ext cx="7992888" cy="1470025"/>
+          </a:xfrm>
+          <a:prstGeom prst="rect">
+            <a:avLst/>
+          </a:prstGeom>
+        </p:spPr>
+        <p:txBody>
+          <a:bodyPr vert="horz" lIns="91440" tIns="45720" rIns="91440" bIns="45720" rtlCol="0" anchor="ctr">
+            <a:normAutofit fontScale="97500"/>
+          </a:bodyPr>
+          <a:lstStyle>
+            <a:lvl1pPr algn="ctr" defTabSz="914400" rtl="0" eaLnBrk="1" latinLnBrk="0" hangingPunct="1">
+              <a:spcBef>
+                <a:spcPct val="0"/>
+              </a:spcBef>
+              <a:buNone/>
+              <a:defRPr sz="4400" kern="1200">
+                <a:solidFill>
+                  <a:schemeClr val="tx1"/>
+                </a:solidFill>
+                <a:latin typeface="+mj-lt"/>
+                <a:ea typeface="+mj-ea"/>
+                <a:cs typeface="+mj-cs"/>
+              </a:defRPr>
+            </a:lvl1pPr>
+          </a:lstStyle>
+          <a:p>
+            <a:pPr algn="l">
+              <a:defRPr/>
+            </a:pPr>
+            <a:r>
+              <a:rPr lang="es-MX" sz="3200" dirty="0">
+                <a:solidFill>
+                  <a:schemeClr val="bg2">
+                    <a:lumMod val="50000"/>
+                  </a:schemeClr>
+                </a:solidFill>
+              </a:rPr>
+              <a:t>TC 2008 </a:t>
+            </a:r>
+            <a:br>
+              <a:rPr lang="es-MX" sz="3200" dirty="0">
+                <a:solidFill>
+                  <a:schemeClr val="bg2">
+                    <a:lumMod val="50000"/>
+                  </a:schemeClr>
+                </a:solidFill>
+              </a:rPr>
+            </a:br>
+            <a:r>
+              <a:rPr lang="es-MX" sz="3200" dirty="0">
+                <a:solidFill>
+                  <a:schemeClr val="bg2">
+                    <a:lumMod val="50000"/>
+                  </a:schemeClr>
+                </a:solidFill>
+              </a:rPr>
+              <a:t>Pensamiento computacional para ingeniería</a:t>
+            </a:r>
+          </a:p>
+        </p:txBody>
+      </p:sp>
     </p:spTree>
     <p:extLst>
       <p:ext uri="{BB962C8B-B14F-4D97-AF65-F5344CB8AC3E}">
@@ -10915,8 +10908,8 @@
         </p:nvSpPr>
         <p:spPr bwMode="auto">
           <a:xfrm>
-            <a:off x="1259632" y="1268760"/>
-            <a:ext cx="6408712" cy="4527587"/>
+            <a:off x="1547664" y="1484784"/>
+            <a:ext cx="6408712" cy="3181065"/>
           </a:xfrm>
           <a:prstGeom prst="rect">
             <a:avLst/>
@@ -11066,7 +11059,7 @@
               <a:t>    </a:t>
             </a:r>
             <a:r>
-              <a:rPr lang="es-ES" sz="2000" b="1" dirty="0">
+              <a:rPr lang="en-US" sz="2000" dirty="0">
                 <a:solidFill>
                   <a:schemeClr val="tx1">
                     <a:lumMod val="95000"/>
@@ -11076,7 +11069,59 @@
                 <a:latin typeface="Arial" pitchFamily="34" charset="0"/>
                 <a:cs typeface="Arial" pitchFamily="34" charset="0"/>
               </a:rPr>
-              <a:t>continua = Verdadero</a:t>
+              <a:t>Leer un </a:t>
+            </a:r>
+            <a:r>
+              <a:rPr lang="en-US" sz="2000" dirty="0" err="1">
+                <a:solidFill>
+                  <a:schemeClr val="tx1">
+                    <a:lumMod val="95000"/>
+                    <a:lumOff val="5000"/>
+                  </a:schemeClr>
+                </a:solidFill>
+                <a:latin typeface="Arial" pitchFamily="34" charset="0"/>
+                <a:cs typeface="Arial" pitchFamily="34" charset="0"/>
+              </a:rPr>
+              <a:t>caracter</a:t>
+            </a:r>
+            <a:r>
+              <a:rPr lang="en-US" sz="2000" dirty="0">
+                <a:solidFill>
+                  <a:schemeClr val="tx1">
+                    <a:lumMod val="95000"/>
+                    <a:lumOff val="5000"/>
+                  </a:schemeClr>
+                </a:solidFill>
+                <a:latin typeface="Arial" pitchFamily="34" charset="0"/>
+                <a:cs typeface="Arial" pitchFamily="34" charset="0"/>
+              </a:rPr>
+              <a:t> del </a:t>
+            </a:r>
+            <a:r>
+              <a:rPr lang="en-US" sz="2000" dirty="0" err="1">
+                <a:solidFill>
+                  <a:schemeClr val="tx1">
+                    <a:lumMod val="95000"/>
+                    <a:lumOff val="5000"/>
+                  </a:schemeClr>
+                </a:solidFill>
+                <a:latin typeface="Arial" pitchFamily="34" charset="0"/>
+                <a:cs typeface="Arial" pitchFamily="34" charset="0"/>
+              </a:rPr>
+              <a:t>archivo</a:t>
+            </a:r>
+            <a:r>
+              <a:rPr lang="es-ES" sz="2000" dirty="0">
+                <a:solidFill>
+                  <a:schemeClr val="tx1">
+                    <a:lumMod val="95000"/>
+                    <a:lumOff val="5000"/>
+                  </a:schemeClr>
+                </a:solidFill>
+                <a:latin typeface="Arial" pitchFamily="34" charset="0"/>
+                <a:cs typeface="Arial" pitchFamily="34" charset="0"/>
+              </a:rPr>
+              <a:t>    </a:t>
             </a:r>
           </a:p>
           <a:p>
@@ -11086,7 +11131,7 @@
               </a:lnSpc>
             </a:pPr>
             <a:r>
-              <a:rPr lang="es-ES" sz="2000" dirty="0">
+              <a:rPr lang="es-ES" sz="2000" b="1" dirty="0">
                 <a:solidFill>
                   <a:schemeClr val="tx1">
                     <a:lumMod val="95000"/>
@@ -11096,20 +11141,7 @@
                 <a:latin typeface="Arial" pitchFamily="34" charset="0"/>
                 <a:cs typeface="Arial" pitchFamily="34" charset="0"/>
               </a:rPr>
-              <a:t>    </a:t>
-            </a:r>
-            <a:r>
-              <a:rPr lang="es-ES" sz="2000" b="1" dirty="0">
-                <a:solidFill>
-                  <a:schemeClr val="tx1">
-                    <a:lumMod val="95000"/>
-                    <a:lumOff val="5000"/>
-                  </a:schemeClr>
-                </a:solidFill>
-                <a:latin typeface="Arial" pitchFamily="34" charset="0"/>
-                <a:cs typeface="Arial" pitchFamily="34" charset="0"/>
-              </a:rPr>
-              <a:t>mientras continua sea verdadero</a:t>
+              <a:t>    mientras carácter diferente de vacío</a:t>
             </a:r>
           </a:p>
           <a:p>
@@ -11129,10 +11161,10 @@
                 <a:latin typeface="Arial" pitchFamily="34" charset="0"/>
                 <a:cs typeface="Arial" pitchFamily="34" charset="0"/>
               </a:rPr>
-              <a:t>        </a:t>
-            </a:r>
-            <a:r>
-              <a:rPr lang="en-US" sz="2000" dirty="0">
+              <a:t>           </a:t>
+            </a:r>
+            <a:r>
+              <a:rPr lang="es-ES" sz="2000" b="1" dirty="0">
                 <a:solidFill>
                   <a:schemeClr val="tx1">
                     <a:lumMod val="95000"/>
@@ -11142,7 +11174,40 @@
                 <a:latin typeface="Arial" pitchFamily="34" charset="0"/>
                 <a:cs typeface="Arial" pitchFamily="34" charset="0"/>
               </a:rPr>
-              <a:t>Leer un </a:t>
+              <a:t>Escribir(letra) </a:t>
+            </a:r>
+            <a:r>
+              <a:rPr lang="es-ES" sz="2000" dirty="0">
+                <a:solidFill>
+                  <a:schemeClr val="tx1">
+                    <a:lumMod val="95000"/>
+                    <a:lumOff val="5000"/>
+                  </a:schemeClr>
+                </a:solidFill>
+                <a:latin typeface="Arial" pitchFamily="34" charset="0"/>
+                <a:cs typeface="Arial" pitchFamily="34" charset="0"/>
+              </a:rPr>
+              <a:t>en pantalla             </a:t>
+            </a:r>
+          </a:p>
+          <a:p>
+            <a:pPr>
+              <a:lnSpc>
+                <a:spcPts val="3500"/>
+              </a:lnSpc>
+            </a:pPr>
+            <a:r>
+              <a:rPr lang="en-US" sz="2000" dirty="0">
+                <a:solidFill>
+                  <a:schemeClr val="tx1">
+                    <a:lumMod val="95000"/>
+                    <a:lumOff val="5000"/>
+                  </a:schemeClr>
+                </a:solidFill>
+                <a:latin typeface="Arial" pitchFamily="34" charset="0"/>
+                <a:cs typeface="Arial" pitchFamily="34" charset="0"/>
+              </a:rPr>
+              <a:t>           Leer un </a:t>
             </a:r>
             <a:r>
               <a:rPr lang="en-US" sz="2000" dirty="0" err="1">
@@ -11193,262 +11258,6 @@
               <a:latin typeface="Arial" pitchFamily="34" charset="0"/>
               <a:cs typeface="Arial" pitchFamily="34" charset="0"/>
             </a:endParaRPr>
-          </a:p>
-          <a:p>
-            <a:pPr>
-              <a:lnSpc>
-                <a:spcPts val="3500"/>
-              </a:lnSpc>
-            </a:pPr>
-            <a:r>
-              <a:rPr lang="es-ES" sz="2000" dirty="0">
-                <a:solidFill>
-                  <a:schemeClr val="tx1">
-                    <a:lumMod val="95000"/>
-                    <a:lumOff val="5000"/>
-                  </a:schemeClr>
-                </a:solidFill>
-                <a:latin typeface="Arial" pitchFamily="34" charset="0"/>
-                <a:cs typeface="Arial" pitchFamily="34" charset="0"/>
-              </a:rPr>
-              <a:t>        </a:t>
-            </a:r>
-            <a:r>
-              <a:rPr lang="en-US" sz="2000" dirty="0">
-                <a:solidFill>
-                  <a:schemeClr val="tx1">
-                    <a:lumMod val="95000"/>
-                    <a:lumOff val="5000"/>
-                  </a:schemeClr>
-                </a:solidFill>
-                <a:latin typeface="Arial" pitchFamily="34" charset="0"/>
-                <a:cs typeface="Arial" pitchFamily="34" charset="0"/>
-              </a:rPr>
-              <a:t>Si el </a:t>
-            </a:r>
-            <a:r>
-              <a:rPr lang="en-US" sz="2000" dirty="0" err="1">
-                <a:solidFill>
-                  <a:schemeClr val="tx1">
-                    <a:lumMod val="95000"/>
-                    <a:lumOff val="5000"/>
-                  </a:schemeClr>
-                </a:solidFill>
-                <a:latin typeface="Arial" pitchFamily="34" charset="0"/>
-                <a:cs typeface="Arial" pitchFamily="34" charset="0"/>
-              </a:rPr>
-              <a:t>caracter</a:t>
-            </a:r>
-            <a:r>
-              <a:rPr lang="en-US" sz="2000" dirty="0">
-                <a:solidFill>
-                  <a:schemeClr val="tx1">
-                    <a:lumMod val="95000"/>
-                    <a:lumOff val="5000"/>
-                  </a:schemeClr>
-                </a:solidFill>
-                <a:latin typeface="Arial" pitchFamily="34" charset="0"/>
-                <a:cs typeface="Arial" pitchFamily="34" charset="0"/>
-              </a:rPr>
-              <a:t> no es </a:t>
-            </a:r>
-            <a:r>
-              <a:rPr lang="en-US" sz="2000" dirty="0" err="1">
-                <a:solidFill>
-                  <a:schemeClr val="tx1">
-                    <a:lumMod val="95000"/>
-                    <a:lumOff val="5000"/>
-                  </a:schemeClr>
-                </a:solidFill>
-                <a:latin typeface="Arial" pitchFamily="34" charset="0"/>
-                <a:cs typeface="Arial" pitchFamily="34" charset="0"/>
-              </a:rPr>
-              <a:t>letra</a:t>
-            </a:r>
-            <a:r>
-              <a:rPr lang="en-US" sz="2000" dirty="0">
-                <a:solidFill>
-                  <a:schemeClr val="tx1">
-                    <a:lumMod val="95000"/>
-                    <a:lumOff val="5000"/>
-                  </a:schemeClr>
-                </a:solidFill>
-                <a:latin typeface="Arial" pitchFamily="34" charset="0"/>
-                <a:cs typeface="Arial" pitchFamily="34" charset="0"/>
-              </a:rPr>
-              <a:t> (es fin de </a:t>
-            </a:r>
-            <a:r>
-              <a:rPr lang="en-US" sz="2000" dirty="0" err="1">
-                <a:solidFill>
-                  <a:schemeClr val="tx1">
-                    <a:lumMod val="95000"/>
-                    <a:lumOff val="5000"/>
-                  </a:schemeClr>
-                </a:solidFill>
-                <a:latin typeface="Arial" pitchFamily="34" charset="0"/>
-                <a:cs typeface="Arial" pitchFamily="34" charset="0"/>
-              </a:rPr>
-              <a:t>archivo</a:t>
-            </a:r>
-            <a:r>
-              <a:rPr lang="en-US" sz="2000" dirty="0">
-                <a:solidFill>
-                  <a:schemeClr val="tx1">
-                    <a:lumMod val="95000"/>
-                    <a:lumOff val="5000"/>
-                  </a:schemeClr>
-                </a:solidFill>
-                <a:latin typeface="Arial" pitchFamily="34" charset="0"/>
-                <a:cs typeface="Arial" pitchFamily="34" charset="0"/>
-              </a:rPr>
-              <a:t>)</a:t>
-            </a:r>
-            <a:endParaRPr lang="es-ES" sz="2000" dirty="0">
-              <a:solidFill>
-                <a:schemeClr val="tx1">
-                  <a:lumMod val="95000"/>
-                  <a:lumOff val="5000"/>
-                </a:schemeClr>
-              </a:solidFill>
-              <a:latin typeface="Arial" pitchFamily="34" charset="0"/>
-              <a:cs typeface="Arial" pitchFamily="34" charset="0"/>
-            </a:endParaRPr>
-          </a:p>
-          <a:p>
-            <a:pPr>
-              <a:lnSpc>
-                <a:spcPts val="3500"/>
-              </a:lnSpc>
-            </a:pPr>
-            <a:r>
-              <a:rPr lang="es-ES" sz="2000" dirty="0">
-                <a:solidFill>
-                  <a:schemeClr val="tx1">
-                    <a:lumMod val="95000"/>
-                    <a:lumOff val="5000"/>
-                  </a:schemeClr>
-                </a:solidFill>
-                <a:latin typeface="Arial" pitchFamily="34" charset="0"/>
-                <a:cs typeface="Arial" pitchFamily="34" charset="0"/>
-              </a:rPr>
-              <a:t>         	</a:t>
-            </a:r>
-            <a:r>
-              <a:rPr lang="es-ES" sz="2000" b="1" dirty="0">
-                <a:solidFill>
-                  <a:schemeClr val="tx1">
-                    <a:lumMod val="95000"/>
-                    <a:lumOff val="5000"/>
-                  </a:schemeClr>
-                </a:solidFill>
-                <a:latin typeface="Arial" pitchFamily="34" charset="0"/>
-                <a:cs typeface="Arial" pitchFamily="34" charset="0"/>
-              </a:rPr>
-              <a:t>continua = Falso  </a:t>
-            </a:r>
-            <a:r>
-              <a:rPr lang="es-ES" sz="2000" dirty="0">
-                <a:solidFill>
-                  <a:schemeClr val="tx1">
-                    <a:lumMod val="95000"/>
-                    <a:lumOff val="5000"/>
-                  </a:schemeClr>
-                </a:solidFill>
-                <a:latin typeface="Arial" pitchFamily="34" charset="0"/>
-                <a:cs typeface="Arial" pitchFamily="34" charset="0"/>
-              </a:rPr>
-              <a:t>(Salir del ciclo) </a:t>
-            </a:r>
-          </a:p>
-          <a:p>
-            <a:pPr>
-              <a:lnSpc>
-                <a:spcPts val="3500"/>
-              </a:lnSpc>
-            </a:pPr>
-            <a:r>
-              <a:rPr lang="es-ES" sz="2000" dirty="0">
-                <a:solidFill>
-                  <a:schemeClr val="tx1">
-                    <a:lumMod val="95000"/>
-                    <a:lumOff val="5000"/>
-                  </a:schemeClr>
-                </a:solidFill>
-                <a:latin typeface="Arial" pitchFamily="34" charset="0"/>
-                <a:cs typeface="Arial" pitchFamily="34" charset="0"/>
-              </a:rPr>
-              <a:t>        </a:t>
-            </a:r>
-            <a:r>
-              <a:rPr lang="es-ES" sz="2000" dirty="0" err="1">
-                <a:solidFill>
-                  <a:schemeClr val="tx1">
-                    <a:lumMod val="95000"/>
-                    <a:lumOff val="5000"/>
-                  </a:schemeClr>
-                </a:solidFill>
-                <a:latin typeface="Arial" pitchFamily="34" charset="0"/>
-                <a:cs typeface="Arial" pitchFamily="34" charset="0"/>
-              </a:rPr>
-              <a:t>SiNo</a:t>
-            </a:r>
-            <a:endParaRPr lang="es-ES" sz="2000" dirty="0">
-              <a:solidFill>
-                <a:schemeClr val="tx1">
-                  <a:lumMod val="95000"/>
-                  <a:lumOff val="5000"/>
-                </a:schemeClr>
-              </a:solidFill>
-              <a:latin typeface="Arial" pitchFamily="34" charset="0"/>
-              <a:cs typeface="Arial" pitchFamily="34" charset="0"/>
-            </a:endParaRPr>
-          </a:p>
-          <a:p>
-            <a:pPr>
-              <a:lnSpc>
-                <a:spcPts val="3500"/>
-              </a:lnSpc>
-            </a:pPr>
-            <a:r>
-              <a:rPr lang="es-ES" sz="2000" dirty="0">
-                <a:solidFill>
-                  <a:schemeClr val="tx1">
-                    <a:lumMod val="95000"/>
-                    <a:lumOff val="5000"/>
-                  </a:schemeClr>
-                </a:solidFill>
-                <a:latin typeface="Arial" pitchFamily="34" charset="0"/>
-                <a:cs typeface="Arial" pitchFamily="34" charset="0"/>
-              </a:rPr>
-              <a:t>        	</a:t>
-            </a:r>
-            <a:r>
-              <a:rPr lang="es-ES" sz="2000" b="1" dirty="0">
-                <a:solidFill>
-                  <a:schemeClr val="tx1">
-                    <a:lumMod val="95000"/>
-                    <a:lumOff val="5000"/>
-                  </a:schemeClr>
-                </a:solidFill>
-                <a:latin typeface="Arial" pitchFamily="34" charset="0"/>
-                <a:cs typeface="Arial" pitchFamily="34" charset="0"/>
-              </a:rPr>
-              <a:t>Escribir(letra) </a:t>
-            </a:r>
-            <a:r>
-              <a:rPr lang="es-ES" sz="2000" dirty="0">
-                <a:solidFill>
-                  <a:schemeClr val="tx1">
-                    <a:lumMod val="95000"/>
-                    <a:lumOff val="5000"/>
-                  </a:schemeClr>
-                </a:solidFill>
-                <a:latin typeface="Arial" pitchFamily="34" charset="0"/>
-                <a:cs typeface="Arial" pitchFamily="34" charset="0"/>
-              </a:rPr>
-              <a:t>en pantalla</a:t>
-            </a:r>
           </a:p>
           <a:p>
             <a:pPr>
@@ -11804,8 +11613,8 @@
         </p:nvSpPr>
         <p:spPr bwMode="auto">
           <a:xfrm>
-            <a:off x="446681" y="980728"/>
-            <a:ext cx="8640960" cy="5325177"/>
+            <a:off x="608910" y="1381965"/>
+            <a:ext cx="8049674" cy="4094070"/>
           </a:xfrm>
           <a:prstGeom prst="rect">
             <a:avLst/>
@@ -11973,84 +11782,12 @@
             <a:r>
               <a:rPr lang="es-ES" sz="2000" b="1" dirty="0">
                 <a:solidFill>
-                  <a:schemeClr val="bg2">
-                    <a:lumMod val="25000"/>
-                  </a:schemeClr>
-                </a:solidFill>
-                <a:latin typeface="Arial" pitchFamily="34" charset="0"/>
-                <a:cs typeface="Arial" pitchFamily="34" charset="0"/>
-              </a:rPr>
-              <a:t>      	continua = True</a:t>
-            </a:r>
-          </a:p>
-          <a:p>
-            <a:r>
-              <a:rPr lang="es-ES" sz="2000" b="1" dirty="0">
-                <a:solidFill>
-                  <a:schemeClr val="bg2">
-                    <a:lumMod val="25000"/>
-                  </a:schemeClr>
-                </a:solidFill>
-                <a:latin typeface="Arial" pitchFamily="34" charset="0"/>
-                <a:cs typeface="Arial" pitchFamily="34" charset="0"/>
-              </a:rPr>
-              <a:t>      	</a:t>
-            </a:r>
-            <a:r>
-              <a:rPr lang="es-ES" sz="2000" b="1" dirty="0" err="1">
-                <a:solidFill>
-                  <a:schemeClr val="bg2">
-                    <a:lumMod val="25000"/>
-                  </a:schemeClr>
-                </a:solidFill>
-                <a:latin typeface="Arial" pitchFamily="34" charset="0"/>
-                <a:cs typeface="Arial" pitchFamily="34" charset="0"/>
-              </a:rPr>
-              <a:t>while</a:t>
-            </a:r>
-            <a:r>
-              <a:rPr lang="es-ES" sz="2000" b="1" dirty="0">
-                <a:solidFill>
-                  <a:schemeClr val="bg2">
-                    <a:lumMod val="25000"/>
-                  </a:schemeClr>
-                </a:solidFill>
-                <a:latin typeface="Arial" pitchFamily="34" charset="0"/>
-                <a:cs typeface="Arial" pitchFamily="34" charset="0"/>
-              </a:rPr>
-              <a:t> continua:</a:t>
-            </a:r>
-          </a:p>
-          <a:p>
-            <a:r>
-              <a:rPr lang="es-ES" sz="2000" b="1" dirty="0">
-                <a:solidFill>
-                  <a:srgbClr val="00B050"/>
-                </a:solidFill>
-                <a:latin typeface="Arial" pitchFamily="34" charset="0"/>
-                <a:cs typeface="Arial" pitchFamily="34" charset="0"/>
-              </a:rPr>
-              <a:t>       </a:t>
-            </a:r>
-            <a:r>
-              <a:rPr lang="es-ES" sz="2000" b="1" dirty="0">
-                <a:solidFill>
-                  <a:srgbClr val="FF0000"/>
-                </a:solidFill>
-                <a:latin typeface="Arial" pitchFamily="34" charset="0"/>
-                <a:cs typeface="Arial" pitchFamily="34" charset="0"/>
-              </a:rPr>
-              <a:t>      		</a:t>
-            </a:r>
-            <a:r>
-              <a:rPr lang="es-ES" sz="2000" b="1" dirty="0">
-                <a:solidFill>
                   <a:srgbClr val="0070C0"/>
                 </a:solidFill>
                 <a:latin typeface="Arial" pitchFamily="34" charset="0"/>
                 <a:cs typeface="Arial" pitchFamily="34" charset="0"/>
               </a:rPr>
-              <a:t>letra </a:t>
+              <a:t>             letra </a:t>
             </a:r>
             <a:r>
               <a:rPr lang="es-ES" sz="2000" b="1" dirty="0">
@@ -12173,7 +11910,7 @@
                 <a:latin typeface="Arial" pitchFamily="34" charset="0"/>
                 <a:cs typeface="Arial" pitchFamily="34" charset="0"/>
               </a:rPr>
-              <a:t>             		</a:t>
+              <a:t>      	</a:t>
             </a:r>
             <a:r>
               <a:rPr lang="es-ES" sz="2000" b="1" dirty="0" err="1">
@@ -12185,7 +11922,7 @@
                 <a:latin typeface="Arial" pitchFamily="34" charset="0"/>
                 <a:cs typeface="Arial" pitchFamily="34" charset="0"/>
               </a:rPr>
-              <a:t>if</a:t>
+              <a:t>while</a:t>
             </a:r>
             <a:r>
               <a:rPr lang="es-ES" sz="2000" b="1" dirty="0">
@@ -12200,7 +11937,17 @@
               <a:t> </a:t>
             </a:r>
             <a:r>
-              <a:rPr lang="es-ES" sz="2000" b="1" dirty="0" err="1">
+              <a:rPr lang="es-ES" sz="2000" b="1" dirty="0">
+                <a:solidFill>
+                  <a:srgbClr val="0070C0"/>
+                </a:solidFill>
+                <a:latin typeface="Arial" pitchFamily="34" charset="0"/>
+                <a:cs typeface="Arial" pitchFamily="34" charset="0"/>
+              </a:rPr>
+              <a:t>letra</a:t>
+            </a:r>
+            <a:r>
+              <a:rPr lang="es-ES" sz="2000" b="1" dirty="0">
                 <a:solidFill>
                   <a:schemeClr val="bg2">
                     <a:lumMod val="25000"/>
@@ -12209,44 +11956,10 @@
                 <a:latin typeface="Arial" pitchFamily="34" charset="0"/>
                 <a:cs typeface="Arial" pitchFamily="34" charset="0"/>
               </a:rPr>
-              <a:t>not</a:t>
+              <a:t> != '': </a:t>
             </a:r>
             <a:r>
               <a:rPr lang="es-ES" sz="2000" b="1" dirty="0">
-                <a:solidFill>
-                  <a:schemeClr val="bg2">
-                    <a:lumMod val="25000"/>
-                  </a:schemeClr>
-                </a:solidFill>
-                <a:latin typeface="Arial" pitchFamily="34" charset="0"/>
-                <a:cs typeface="Arial" pitchFamily="34" charset="0"/>
-              </a:rPr>
-              <a:t> </a:t>
-            </a:r>
-            <a:r>
-              <a:rPr lang="es-ES" sz="2000" b="1" dirty="0">
-                <a:solidFill>
-                  <a:srgbClr val="0070C0"/>
-                </a:solidFill>
-                <a:latin typeface="Arial" pitchFamily="34" charset="0"/>
-                <a:cs typeface="Arial" pitchFamily="34" charset="0"/>
-              </a:rPr>
-              <a:t>letra</a:t>
-            </a:r>
-            <a:r>
-              <a:rPr lang="es-ES" sz="2000" b="1" dirty="0">
-                <a:solidFill>
-                  <a:schemeClr val="bg2">
-                    <a:lumMod val="25000"/>
-                  </a:schemeClr>
-                </a:solidFill>
-                <a:latin typeface="Arial" pitchFamily="34" charset="0"/>
-                <a:cs typeface="Arial" pitchFamily="34" charset="0"/>
-              </a:rPr>
-              <a:t>:  </a:t>
-            </a:r>
-            <a:r>
-              <a:rPr lang="en-US" sz="2000" b="1" dirty="0">
                 <a:solidFill>
                   <a:schemeClr val="tx1">
                     <a:lumMod val="50000"/>
@@ -12256,294 +11969,7 @@
                 <a:latin typeface="Arial" pitchFamily="34" charset="0"/>
                 <a:cs typeface="Arial" pitchFamily="34" charset="0"/>
               </a:rPr>
-              <a:t># Si no es </a:t>
-            </a:r>
-            <a:r>
-              <a:rPr lang="en-US" sz="2000" b="1" dirty="0" err="1">
-                <a:solidFill>
-                  <a:schemeClr val="tx1">
-                    <a:lumMod val="50000"/>
-                    <a:lumOff val="50000"/>
-                  </a:schemeClr>
-                </a:solidFill>
-                <a:latin typeface="Arial" pitchFamily="34" charset="0"/>
-                <a:cs typeface="Arial" pitchFamily="34" charset="0"/>
-              </a:rPr>
-              <a:t>letra</a:t>
-            </a:r>
-            <a:r>
-              <a:rPr lang="en-US" sz="2000" b="1" dirty="0">
-                <a:solidFill>
-                  <a:schemeClr val="tx1">
-                    <a:lumMod val="50000"/>
-                    <a:lumOff val="50000"/>
-                  </a:schemeClr>
-                </a:solidFill>
-                <a:latin typeface="Arial" pitchFamily="34" charset="0"/>
-                <a:cs typeface="Arial" pitchFamily="34" charset="0"/>
-              </a:rPr>
-              <a:t> (Si es fin de </a:t>
-            </a:r>
-            <a:r>
-              <a:rPr lang="en-US" sz="2000" b="1" dirty="0" err="1">
-                <a:solidFill>
-                  <a:schemeClr val="tx1">
-                    <a:lumMod val="50000"/>
-                    <a:lumOff val="50000"/>
-                  </a:schemeClr>
-                </a:solidFill>
-                <a:latin typeface="Arial" pitchFamily="34" charset="0"/>
-                <a:cs typeface="Arial" pitchFamily="34" charset="0"/>
-              </a:rPr>
-              <a:t>archivo</a:t>
-            </a:r>
-            <a:r>
-              <a:rPr lang="en-US" sz="2000" b="1" dirty="0">
-                <a:solidFill>
-                  <a:schemeClr val="tx1">
-                    <a:lumMod val="50000"/>
-                    <a:lumOff val="50000"/>
-                  </a:schemeClr>
-                </a:solidFill>
-                <a:latin typeface="Arial" pitchFamily="34" charset="0"/>
-                <a:cs typeface="Arial" pitchFamily="34" charset="0"/>
-              </a:rPr>
-              <a:t>) o</a:t>
-            </a:r>
-          </a:p>
-          <a:p>
-            <a:r>
-              <a:rPr lang="es-ES" sz="2000" b="1" dirty="0">
-                <a:solidFill>
-                  <a:schemeClr val="bg2">
-                    <a:lumMod val="25000"/>
-                  </a:schemeClr>
-                </a:solidFill>
-                <a:latin typeface="Arial" pitchFamily="34" charset="0"/>
-                <a:cs typeface="Arial" pitchFamily="34" charset="0"/>
-              </a:rPr>
-              <a:t>                          </a:t>
-            </a:r>
-            <a:r>
-              <a:rPr lang="es-ES" sz="2000" b="1" dirty="0" err="1">
-                <a:solidFill>
-                  <a:schemeClr val="bg2">
-                    <a:lumMod val="25000"/>
-                  </a:schemeClr>
-                </a:solidFill>
-                <a:latin typeface="Arial" pitchFamily="34" charset="0"/>
-                <a:cs typeface="Arial" pitchFamily="34" charset="0"/>
-              </a:rPr>
-              <a:t>if</a:t>
-            </a:r>
-            <a:r>
-              <a:rPr lang="es-ES" sz="2000" b="1" dirty="0">
-                <a:solidFill>
-                  <a:schemeClr val="bg2">
-                    <a:lumMod val="25000"/>
-                  </a:schemeClr>
-                </a:solidFill>
-                <a:latin typeface="Arial" pitchFamily="34" charset="0"/>
-                <a:cs typeface="Arial" pitchFamily="34" charset="0"/>
-              </a:rPr>
-              <a:t> </a:t>
-            </a:r>
-            <a:r>
-              <a:rPr lang="es-ES" sz="2000" b="1" dirty="0">
-                <a:solidFill>
-                  <a:srgbClr val="0070C0"/>
-                </a:solidFill>
-                <a:latin typeface="Arial" pitchFamily="34" charset="0"/>
-                <a:cs typeface="Arial" pitchFamily="34" charset="0"/>
-              </a:rPr>
-              <a:t>letra</a:t>
-            </a:r>
-            <a:r>
-              <a:rPr lang="es-ES" sz="2000" b="1" dirty="0">
-                <a:solidFill>
-                  <a:schemeClr val="bg2">
-                    <a:lumMod val="25000"/>
-                  </a:schemeClr>
-                </a:solidFill>
-                <a:latin typeface="Arial" pitchFamily="34" charset="0"/>
-                <a:cs typeface="Arial" pitchFamily="34" charset="0"/>
-              </a:rPr>
-              <a:t> == '': </a:t>
-            </a:r>
-            <a:r>
-              <a:rPr lang="es-ES" sz="2000" b="1" dirty="0">
-                <a:solidFill>
-                  <a:schemeClr val="tx1">
-                    <a:lumMod val="50000"/>
-                    <a:lumOff val="50000"/>
-                  </a:schemeClr>
-                </a:solidFill>
-                <a:latin typeface="Arial" pitchFamily="34" charset="0"/>
-                <a:cs typeface="Arial" pitchFamily="34" charset="0"/>
-              </a:rPr>
-              <a:t># Si la letra es igual a vacío.</a:t>
-            </a:r>
-          </a:p>
-          <a:p>
-            <a:r>
-              <a:rPr lang="es-ES" sz="2000" b="1" dirty="0">
-                <a:solidFill>
-                  <a:schemeClr val="bg2">
-                    <a:lumMod val="25000"/>
-                  </a:schemeClr>
-                </a:solidFill>
-                <a:latin typeface="Arial" pitchFamily="34" charset="0"/>
-                <a:cs typeface="Arial" pitchFamily="34" charset="0"/>
-              </a:rPr>
-              <a:t>                  		continua = False    </a:t>
-            </a:r>
-            <a:r>
-              <a:rPr lang="es-ES" sz="2000" b="1" dirty="0">
-                <a:solidFill>
-                  <a:schemeClr val="tx1">
-                    <a:lumMod val="50000"/>
-                    <a:lumOff val="50000"/>
-                  </a:schemeClr>
-                </a:solidFill>
-                <a:latin typeface="Arial" pitchFamily="34" charset="0"/>
-                <a:cs typeface="Arial" pitchFamily="34" charset="0"/>
-              </a:rPr>
-              <a:t># Salir del ciclo</a:t>
-            </a:r>
-          </a:p>
-          <a:p>
-            <a:r>
-              <a:rPr lang="es-ES" sz="2000" b="1" dirty="0">
-                <a:solidFill>
-                  <a:schemeClr val="bg2">
-                    <a:lumMod val="25000"/>
-                  </a:schemeClr>
-                </a:solidFill>
-                <a:latin typeface="Arial" pitchFamily="34" charset="0"/>
-                <a:cs typeface="Arial" pitchFamily="34" charset="0"/>
-              </a:rPr>
-              <a:t>             		</a:t>
-            </a:r>
-            <a:r>
-              <a:rPr lang="es-ES" sz="2000" b="1" dirty="0" err="1">
-                <a:solidFill>
-                  <a:schemeClr val="bg2">
-                    <a:lumMod val="25000"/>
-                  </a:schemeClr>
-                </a:solidFill>
-                <a:latin typeface="Arial" pitchFamily="34" charset="0"/>
-                <a:cs typeface="Arial" pitchFamily="34" charset="0"/>
-              </a:rPr>
-              <a:t>else</a:t>
-            </a:r>
-            <a:r>
-              <a:rPr lang="es-ES" sz="2000" b="1" dirty="0">
-                <a:solidFill>
-                  <a:schemeClr val="bg2">
-                    <a:lumMod val="25000"/>
-                  </a:schemeClr>
-                </a:solidFill>
-                <a:latin typeface="Arial" pitchFamily="34" charset="0"/>
-                <a:cs typeface="Arial" pitchFamily="34" charset="0"/>
-              </a:rPr>
-              <a:t>:</a:t>
-            </a:r>
-          </a:p>
-          <a:p>
-            <a:r>
-              <a:rPr lang="es-ES" sz="2000" b="1" dirty="0">
-                <a:solidFill>
-                  <a:schemeClr val="bg2">
-                    <a:lumMod val="25000"/>
-                  </a:schemeClr>
-                </a:solidFill>
-                <a:latin typeface="Arial" pitchFamily="34" charset="0"/>
-                <a:cs typeface="Arial" pitchFamily="34" charset="0"/>
-              </a:rPr>
-              <a:t>	     		</a:t>
-            </a:r>
-            <a:r>
-              <a:rPr lang="es-ES" sz="2000" b="1" dirty="0" err="1">
-                <a:solidFill>
-                  <a:schemeClr val="bg2">
-                    <a:lumMod val="25000"/>
-                  </a:schemeClr>
-                </a:solidFill>
-                <a:latin typeface="Arial" pitchFamily="34" charset="0"/>
-                <a:cs typeface="Arial" pitchFamily="34" charset="0"/>
-              </a:rPr>
-              <a:t>print</a:t>
-            </a:r>
-            <a:r>
-              <a:rPr lang="es-ES" sz="2000" b="1" dirty="0">
-                <a:solidFill>
-                  <a:schemeClr val="bg2">
-                    <a:lumMod val="25000"/>
-                  </a:schemeClr>
-                </a:solidFill>
-                <a:latin typeface="Arial" pitchFamily="34" charset="0"/>
-                <a:cs typeface="Arial" pitchFamily="34" charset="0"/>
-              </a:rPr>
-              <a:t>(</a:t>
-            </a:r>
-            <a:r>
-              <a:rPr lang="es-ES" sz="2000" b="1" dirty="0">
-                <a:solidFill>
-                  <a:srgbClr val="0070C0"/>
-                </a:solidFill>
-                <a:latin typeface="Arial" pitchFamily="34" charset="0"/>
-                <a:cs typeface="Arial" pitchFamily="34" charset="0"/>
-              </a:rPr>
-              <a:t>letra</a:t>
-            </a:r>
-            <a:r>
-              <a:rPr lang="es-ES" sz="2000" b="1" dirty="0">
-                <a:solidFill>
-                  <a:schemeClr val="bg2">
-                    <a:lumMod val="25000"/>
-                  </a:schemeClr>
-                </a:solidFill>
-                <a:latin typeface="Arial" pitchFamily="34" charset="0"/>
-                <a:cs typeface="Arial" pitchFamily="34" charset="0"/>
-              </a:rPr>
-              <a:t>, </a:t>
-            </a:r>
-            <a:r>
-              <a:rPr lang="es-ES" sz="2000" b="1" dirty="0" err="1">
-                <a:solidFill>
-                  <a:schemeClr val="bg2">
-                    <a:lumMod val="25000"/>
-                  </a:schemeClr>
-                </a:solidFill>
-                <a:latin typeface="Arial" pitchFamily="34" charset="0"/>
-                <a:cs typeface="Arial" pitchFamily="34" charset="0"/>
-              </a:rPr>
-              <a:t>end</a:t>
-            </a:r>
-            <a:r>
-              <a:rPr lang="es-ES" sz="2000" b="1" dirty="0">
-                <a:solidFill>
-                  <a:schemeClr val="bg2">
-                    <a:lumMod val="25000"/>
-                  </a:schemeClr>
-                </a:solidFill>
-                <a:latin typeface="Arial" pitchFamily="34" charset="0"/>
-                <a:cs typeface="Arial" pitchFamily="34" charset="0"/>
-              </a:rPr>
-              <a:t>='') </a:t>
-            </a:r>
-            <a:r>
-              <a:rPr lang="es-ES" sz="2000" b="1" dirty="0">
-                <a:solidFill>
-                  <a:schemeClr val="tx1">
-                    <a:lumMod val="50000"/>
-                    <a:lumOff val="50000"/>
-                  </a:schemeClr>
-                </a:solidFill>
-                <a:latin typeface="Arial" pitchFamily="34" charset="0"/>
-                <a:cs typeface="Arial" pitchFamily="34" charset="0"/>
-              </a:rPr>
-              <a:t># Imprime la letra en pantalla</a:t>
+              <a:t># Si la letra es diferente de vacío</a:t>
             </a:r>
             <a:endParaRPr lang="es-ES" sz="2000" b="1" dirty="0">
               <a:solidFill>
@@ -12559,6 +11985,26 @@
             <a:r>
               <a:rPr lang="es-ES" sz="2000" b="1" dirty="0">
                 <a:solidFill>
+                  <a:srgbClr val="00B050"/>
+                </a:solidFill>
+                <a:latin typeface="Arial" pitchFamily="34" charset="0"/>
+                <a:cs typeface="Arial" pitchFamily="34" charset="0"/>
+              </a:rPr>
+              <a:t>       </a:t>
+            </a:r>
+            <a:r>
+              <a:rPr lang="es-ES" sz="2000" b="1" dirty="0">
+                <a:solidFill>
+                  <a:srgbClr val="FF0000"/>
+                </a:solidFill>
+                <a:latin typeface="Arial" pitchFamily="34" charset="0"/>
+                <a:cs typeface="Arial" pitchFamily="34" charset="0"/>
+              </a:rPr>
+              <a:t>      	       </a:t>
+            </a:r>
+            <a:r>
+              <a:rPr lang="es-ES" sz="2000" b="1" dirty="0" err="1">
+                <a:solidFill>
                   <a:schemeClr val="bg2">
                     <a:lumMod val="25000"/>
                   </a:schemeClr>
@@ -12566,7 +12012,222 @@
                 <a:latin typeface="Arial" pitchFamily="34" charset="0"/>
                 <a:cs typeface="Arial" pitchFamily="34" charset="0"/>
               </a:rPr>
-              <a:t>      	</a:t>
+              <a:t>print</a:t>
+            </a:r>
+            <a:r>
+              <a:rPr lang="es-ES" sz="2000" b="1" dirty="0">
+                <a:solidFill>
+                  <a:schemeClr val="bg2">
+                    <a:lumMod val="25000"/>
+                  </a:schemeClr>
+                </a:solidFill>
+                <a:latin typeface="Arial" pitchFamily="34" charset="0"/>
+                <a:cs typeface="Arial" pitchFamily="34" charset="0"/>
+              </a:rPr>
+              <a:t>(</a:t>
+            </a:r>
+            <a:r>
+              <a:rPr lang="es-ES" sz="2000" b="1" dirty="0">
+                <a:solidFill>
+                  <a:srgbClr val="0070C0"/>
+                </a:solidFill>
+                <a:latin typeface="Arial" pitchFamily="34" charset="0"/>
+                <a:cs typeface="Arial" pitchFamily="34" charset="0"/>
+              </a:rPr>
+              <a:t>letra</a:t>
+            </a:r>
+            <a:r>
+              <a:rPr lang="es-ES" sz="2000" b="1" dirty="0">
+                <a:solidFill>
+                  <a:schemeClr val="bg2">
+                    <a:lumMod val="25000"/>
+                  </a:schemeClr>
+                </a:solidFill>
+                <a:latin typeface="Arial" pitchFamily="34" charset="0"/>
+                <a:cs typeface="Arial" pitchFamily="34" charset="0"/>
+              </a:rPr>
+              <a:t>, </a:t>
+            </a:r>
+            <a:r>
+              <a:rPr lang="es-ES" sz="2000" b="1" dirty="0" err="1">
+                <a:solidFill>
+                  <a:schemeClr val="bg2">
+                    <a:lumMod val="25000"/>
+                  </a:schemeClr>
+                </a:solidFill>
+                <a:latin typeface="Arial" pitchFamily="34" charset="0"/>
+                <a:cs typeface="Arial" pitchFamily="34" charset="0"/>
+              </a:rPr>
+              <a:t>end</a:t>
+            </a:r>
+            <a:r>
+              <a:rPr lang="es-ES" sz="2000" b="1" dirty="0">
+                <a:solidFill>
+                  <a:schemeClr val="bg2">
+                    <a:lumMod val="25000"/>
+                  </a:schemeClr>
+                </a:solidFill>
+                <a:latin typeface="Arial" pitchFamily="34" charset="0"/>
+                <a:cs typeface="Arial" pitchFamily="34" charset="0"/>
+              </a:rPr>
+              <a:t>='') </a:t>
+            </a:r>
+            <a:r>
+              <a:rPr lang="es-ES" sz="2000" b="1" dirty="0">
+                <a:solidFill>
+                  <a:schemeClr val="tx1">
+                    <a:lumMod val="50000"/>
+                    <a:lumOff val="50000"/>
+                  </a:schemeClr>
+                </a:solidFill>
+                <a:latin typeface="Arial" pitchFamily="34" charset="0"/>
+                <a:cs typeface="Arial" pitchFamily="34" charset="0"/>
+              </a:rPr>
+              <a:t># Imprime la letra en pantalla</a:t>
+            </a:r>
+            <a:endParaRPr lang="es-ES" sz="2000" b="1" dirty="0">
+              <a:solidFill>
+                <a:srgbClr val="FF0000"/>
+              </a:solidFill>
+              <a:latin typeface="Arial" pitchFamily="34" charset="0"/>
+              <a:cs typeface="Arial" pitchFamily="34" charset="0"/>
+            </a:endParaRPr>
+          </a:p>
+          <a:p>
+            <a:r>
+              <a:rPr lang="es-ES" sz="2000" b="1" dirty="0">
+                <a:solidFill>
+                  <a:srgbClr val="0070C0"/>
+                </a:solidFill>
+                <a:latin typeface="Arial" pitchFamily="34" charset="0"/>
+                <a:cs typeface="Arial" pitchFamily="34" charset="0"/>
+              </a:rPr>
+              <a:t>                    letra </a:t>
+            </a:r>
+            <a:r>
+              <a:rPr lang="es-ES" sz="2000" b="1" dirty="0">
+                <a:solidFill>
+                  <a:schemeClr val="bg2">
+                    <a:lumMod val="25000"/>
+                  </a:schemeClr>
+                </a:solidFill>
+                <a:latin typeface="Arial" pitchFamily="34" charset="0"/>
+                <a:cs typeface="Arial" pitchFamily="34" charset="0"/>
+              </a:rPr>
+              <a:t>= </a:t>
+            </a:r>
+            <a:r>
+              <a:rPr lang="es-ES" sz="2000" b="1" dirty="0" err="1">
+                <a:solidFill>
+                  <a:schemeClr val="accent3">
+                    <a:lumMod val="75000"/>
+                  </a:schemeClr>
+                </a:solidFill>
+                <a:latin typeface="Arial" pitchFamily="34" charset="0"/>
+                <a:cs typeface="Arial" pitchFamily="34" charset="0"/>
+              </a:rPr>
+              <a:t>file.</a:t>
+            </a:r>
+            <a:r>
+              <a:rPr lang="es-ES" sz="2000" b="1" dirty="0" err="1">
+                <a:solidFill>
+                  <a:schemeClr val="accent6">
+                    <a:lumMod val="75000"/>
+                  </a:schemeClr>
+                </a:solidFill>
+                <a:latin typeface="Arial" pitchFamily="34" charset="0"/>
+                <a:cs typeface="Arial" pitchFamily="34" charset="0"/>
+              </a:rPr>
+              <a:t>read</a:t>
+            </a:r>
+            <a:r>
+              <a:rPr lang="es-ES" sz="2000" b="1" dirty="0">
+                <a:solidFill>
+                  <a:schemeClr val="accent6">
+                    <a:lumMod val="75000"/>
+                  </a:schemeClr>
+                </a:solidFill>
+                <a:latin typeface="Arial" pitchFamily="34" charset="0"/>
+                <a:cs typeface="Arial" pitchFamily="34" charset="0"/>
+              </a:rPr>
+              <a:t>(1)    </a:t>
+            </a:r>
+            <a:r>
+              <a:rPr lang="en-US" sz="2000" b="1" dirty="0">
+                <a:solidFill>
+                  <a:schemeClr val="tx1">
+                    <a:lumMod val="50000"/>
+                    <a:lumOff val="50000"/>
+                  </a:schemeClr>
+                </a:solidFill>
+                <a:latin typeface="Arial" pitchFamily="34" charset="0"/>
+                <a:cs typeface="Arial" pitchFamily="34" charset="0"/>
+              </a:rPr>
+              <a:t># Lee un </a:t>
+            </a:r>
+            <a:r>
+              <a:rPr lang="en-US" sz="2000" b="1" dirty="0" err="1">
+                <a:solidFill>
+                  <a:schemeClr val="tx1">
+                    <a:lumMod val="50000"/>
+                    <a:lumOff val="50000"/>
+                  </a:schemeClr>
+                </a:solidFill>
+                <a:latin typeface="Arial" pitchFamily="34" charset="0"/>
+                <a:cs typeface="Arial" pitchFamily="34" charset="0"/>
+              </a:rPr>
+              <a:t>caracter</a:t>
+            </a:r>
+            <a:r>
+              <a:rPr lang="en-US" sz="2000" b="1" dirty="0">
+                <a:solidFill>
+                  <a:schemeClr val="tx1">
+                    <a:lumMod val="50000"/>
+                    <a:lumOff val="50000"/>
+                  </a:schemeClr>
+                </a:solidFill>
+                <a:latin typeface="Arial" pitchFamily="34" charset="0"/>
+                <a:cs typeface="Arial" pitchFamily="34" charset="0"/>
+              </a:rPr>
+              <a:t> del </a:t>
+            </a:r>
+            <a:r>
+              <a:rPr lang="en-US" sz="2000" b="1" dirty="0" err="1">
+                <a:solidFill>
+                  <a:schemeClr val="tx1">
+                    <a:lumMod val="50000"/>
+                    <a:lumOff val="50000"/>
+                  </a:schemeClr>
+                </a:solidFill>
+                <a:latin typeface="Arial" pitchFamily="34" charset="0"/>
+                <a:cs typeface="Arial" pitchFamily="34" charset="0"/>
+              </a:rPr>
+              <a:t>archivo</a:t>
+            </a:r>
+            <a:endParaRPr lang="en-US" sz="2000" b="1" dirty="0">
+              <a:solidFill>
+                <a:schemeClr val="tx1">
+                  <a:lumMod val="50000"/>
+                  <a:lumOff val="50000"/>
+                </a:schemeClr>
+              </a:solidFill>
+              <a:latin typeface="Arial" pitchFamily="34" charset="0"/>
+              <a:cs typeface="Arial" pitchFamily="34" charset="0"/>
+            </a:endParaRPr>
+          </a:p>
+          <a:p>
+            <a:r>
+              <a:rPr lang="en-US" sz="2000" b="1" dirty="0">
+                <a:solidFill>
+                  <a:schemeClr val="tx1">
+                    <a:lumMod val="50000"/>
+                    <a:lumOff val="50000"/>
+                  </a:schemeClr>
+                </a:solidFill>
+                <a:latin typeface="Arial" pitchFamily="34" charset="0"/>
+                <a:cs typeface="Arial" pitchFamily="34" charset="0"/>
+              </a:rPr>
+              <a:t>             </a:t>
             </a:r>
             <a:r>
               <a:rPr lang="es-ES" sz="2000" b="1" dirty="0" err="1">
@@ -15276,7 +14937,7 @@
                 <a:latin typeface="Arial" panose="020B0604020202020204" pitchFamily="34" charset="0"/>
                 <a:cs typeface="Arial" panose="020B0604020202020204" pitchFamily="34" charset="0"/>
               </a:rPr>
-              <a:t>+")</a:t>
+              <a:t>")</a:t>
             </a:r>
           </a:p>
           <a:p>
@@ -16332,7 +15993,7 @@
         <p:spPr>
           <a:xfrm>
             <a:off x="1456081" y="1484784"/>
-            <a:ext cx="6231837" cy="4401911"/>
+            <a:ext cx="6231837" cy="3401637"/>
           </a:xfrm>
           <a:prstGeom prst="rect">
             <a:avLst/>
@@ -16518,18 +16179,67 @@
               </a:lnSpc>
             </a:pPr>
             <a:r>
-              <a:rPr lang="es-MX" sz="2000" dirty="0">
+              <a:rPr lang="en-US" sz="2000" dirty="0">
                 <a:solidFill>
                   <a:schemeClr val="tx1">
                     <a:lumMod val="95000"/>
                     <a:lumOff val="5000"/>
                   </a:schemeClr>
                 </a:solidFill>
-                <a:latin typeface="Arial" panose="020B0604020202020204" pitchFamily="34" charset="0"/>
-                <a:cs typeface="Arial" panose="020B0604020202020204" pitchFamily="34" charset="0"/>
-              </a:rPr>
-              <a:t>     continua = Verdadero</a:t>
-            </a:r>
+                <a:latin typeface="Arial" pitchFamily="34" charset="0"/>
+                <a:cs typeface="Arial" pitchFamily="34" charset="0"/>
+              </a:rPr>
+              <a:t>     Leer un </a:t>
+            </a:r>
+            <a:r>
+              <a:rPr lang="en-US" sz="2000" dirty="0" err="1">
+                <a:solidFill>
+                  <a:schemeClr val="tx1">
+                    <a:lumMod val="95000"/>
+                    <a:lumOff val="5000"/>
+                  </a:schemeClr>
+                </a:solidFill>
+                <a:latin typeface="Arial" pitchFamily="34" charset="0"/>
+                <a:cs typeface="Arial" pitchFamily="34" charset="0"/>
+              </a:rPr>
+              <a:t>caracter</a:t>
+            </a:r>
+            <a:r>
+              <a:rPr lang="en-US" sz="2000" dirty="0">
+                <a:solidFill>
+                  <a:schemeClr val="tx1">
+                    <a:lumMod val="95000"/>
+                    <a:lumOff val="5000"/>
+                  </a:schemeClr>
+                </a:solidFill>
+                <a:latin typeface="Arial" pitchFamily="34" charset="0"/>
+                <a:cs typeface="Arial" pitchFamily="34" charset="0"/>
+              </a:rPr>
+              <a:t> del </a:t>
+            </a:r>
+            <a:r>
+              <a:rPr lang="en-US" sz="2000" dirty="0" err="1">
+                <a:solidFill>
+                  <a:schemeClr val="tx1">
+                    <a:lumMod val="95000"/>
+                    <a:lumOff val="5000"/>
+                  </a:schemeClr>
+                </a:solidFill>
+                <a:latin typeface="Arial" pitchFamily="34" charset="0"/>
+                <a:cs typeface="Arial" pitchFamily="34" charset="0"/>
+              </a:rPr>
+              <a:t>archivo</a:t>
+            </a:r>
+            <a:endParaRPr lang="es-MX" sz="2000" dirty="0">
+              <a:solidFill>
+                <a:schemeClr val="tx1">
+                  <a:lumMod val="95000"/>
+                  <a:lumOff val="5000"/>
+                </a:schemeClr>
+              </a:solidFill>
+              <a:latin typeface="Arial" panose="020B0604020202020204" pitchFamily="34" charset="0"/>
+              <a:cs typeface="Arial" panose="020B0604020202020204" pitchFamily="34" charset="0"/>
+            </a:endParaRPr>
           </a:p>
           <a:p>
             <a:pPr>
@@ -16561,7 +16271,33 @@
                 <a:latin typeface="Arial" pitchFamily="34" charset="0"/>
                 <a:cs typeface="Arial" pitchFamily="34" charset="0"/>
               </a:rPr>
-              <a:t>mientras continua sea verdadero</a:t>
+              <a:t>mientras </a:t>
+            </a:r>
+            <a:r>
+              <a:rPr lang="es-ES" sz="2000" b="1" dirty="0" err="1">
+                <a:solidFill>
+                  <a:schemeClr val="tx1">
+                    <a:lumMod val="95000"/>
+                    <a:lumOff val="5000"/>
+                  </a:schemeClr>
+                </a:solidFill>
+                <a:latin typeface="Arial" pitchFamily="34" charset="0"/>
+                <a:cs typeface="Arial" pitchFamily="34" charset="0"/>
+              </a:rPr>
+              <a:t>caracter</a:t>
+            </a:r>
+            <a:r>
+              <a:rPr lang="es-ES" sz="2000" b="1" dirty="0">
+                <a:solidFill>
+                  <a:schemeClr val="tx1">
+                    <a:lumMod val="95000"/>
+                    <a:lumOff val="5000"/>
+                  </a:schemeClr>
+                </a:solidFill>
+                <a:latin typeface="Arial" pitchFamily="34" charset="0"/>
+                <a:cs typeface="Arial" pitchFamily="34" charset="0"/>
+              </a:rPr>
+              <a:t> diferente de vacío</a:t>
             </a:r>
           </a:p>
           <a:p>
@@ -16581,10 +16317,10 @@
                 <a:latin typeface="Arial" pitchFamily="34" charset="0"/>
                 <a:cs typeface="Arial" pitchFamily="34" charset="0"/>
               </a:rPr>
-              <a:t>        	</a:t>
-            </a:r>
-            <a:r>
-              <a:rPr lang="en-US" sz="2000" dirty="0">
+              <a:t>             </a:t>
+            </a:r>
+            <a:r>
+              <a:rPr lang="es-ES" sz="2000" dirty="0" err="1">
                 <a:solidFill>
                   <a:schemeClr val="tx1">
                     <a:lumMod val="95000"/>
@@ -16594,7 +16330,66 @@
                 <a:latin typeface="Arial" pitchFamily="34" charset="0"/>
                 <a:cs typeface="Arial" pitchFamily="34" charset="0"/>
               </a:rPr>
-              <a:t>Leer un </a:t>
+              <a:t>cont</a:t>
+            </a:r>
+            <a:r>
+              <a:rPr lang="es-ES" sz="2000" dirty="0">
+                <a:solidFill>
+                  <a:schemeClr val="tx1">
+                    <a:lumMod val="95000"/>
+                    <a:lumOff val="5000"/>
+                  </a:schemeClr>
+                </a:solidFill>
+                <a:latin typeface="Arial" pitchFamily="34" charset="0"/>
+                <a:cs typeface="Arial" pitchFamily="34" charset="0"/>
+              </a:rPr>
+              <a:t> = </a:t>
+            </a:r>
+            <a:r>
+              <a:rPr lang="es-ES" sz="2000" dirty="0" err="1">
+                <a:solidFill>
+                  <a:schemeClr val="tx1">
+                    <a:lumMod val="95000"/>
+                    <a:lumOff val="5000"/>
+                  </a:schemeClr>
+                </a:solidFill>
+                <a:latin typeface="Arial" pitchFamily="34" charset="0"/>
+                <a:cs typeface="Arial" pitchFamily="34" charset="0"/>
+              </a:rPr>
+              <a:t>cont</a:t>
+            </a:r>
+            <a:r>
+              <a:rPr lang="es-ES" sz="2000" dirty="0">
+                <a:solidFill>
+                  <a:schemeClr val="tx1">
+                    <a:lumMod val="95000"/>
+                    <a:lumOff val="5000"/>
+                  </a:schemeClr>
+                </a:solidFill>
+                <a:latin typeface="Arial" pitchFamily="34" charset="0"/>
+                <a:cs typeface="Arial" pitchFamily="34" charset="0"/>
+              </a:rPr>
+              <a:t> + 1        	</a:t>
+            </a:r>
+          </a:p>
+          <a:p>
+            <a:pPr>
+              <a:lnSpc>
+                <a:spcPts val="2600"/>
+              </a:lnSpc>
+            </a:pPr>
+            <a:r>
+              <a:rPr lang="en-US" sz="2000" dirty="0">
+                <a:solidFill>
+                  <a:schemeClr val="tx1">
+                    <a:lumMod val="95000"/>
+                    <a:lumOff val="5000"/>
+                  </a:schemeClr>
+                </a:solidFill>
+                <a:latin typeface="Arial" pitchFamily="34" charset="0"/>
+                <a:cs typeface="Arial" pitchFamily="34" charset="0"/>
+              </a:rPr>
+              <a:t>	Leer un </a:t>
             </a:r>
             <a:r>
               <a:rPr lang="en-US" sz="2000" dirty="0" err="1">
@@ -16645,275 +16440,6 @@
               <a:latin typeface="Arial" pitchFamily="34" charset="0"/>
               <a:cs typeface="Arial" pitchFamily="34" charset="0"/>
             </a:endParaRPr>
-          </a:p>
-          <a:p>
-            <a:pPr>
-              <a:lnSpc>
-                <a:spcPts val="2600"/>
-              </a:lnSpc>
-            </a:pPr>
-            <a:r>
-              <a:rPr lang="en-US" sz="2000" dirty="0">
-                <a:solidFill>
-                  <a:schemeClr val="tx1">
-                    <a:lumMod val="95000"/>
-                    <a:lumOff val="5000"/>
-                  </a:schemeClr>
-                </a:solidFill>
-                <a:latin typeface="Arial" pitchFamily="34" charset="0"/>
-                <a:cs typeface="Arial" pitchFamily="34" charset="0"/>
-              </a:rPr>
-              <a:t>	</a:t>
-            </a:r>
-            <a:r>
-              <a:rPr lang="en-US" sz="2000" b="1" dirty="0">
-                <a:solidFill>
-                  <a:schemeClr val="tx1">
-                    <a:lumMod val="95000"/>
-                    <a:lumOff val="5000"/>
-                  </a:schemeClr>
-                </a:solidFill>
-                <a:latin typeface="Arial" pitchFamily="34" charset="0"/>
-                <a:cs typeface="Arial" pitchFamily="34" charset="0"/>
-              </a:rPr>
-              <a:t>Si no es </a:t>
-            </a:r>
-            <a:r>
-              <a:rPr lang="en-US" sz="2000" b="1" dirty="0" err="1">
-                <a:solidFill>
-                  <a:schemeClr val="tx1">
-                    <a:lumMod val="95000"/>
-                    <a:lumOff val="5000"/>
-                  </a:schemeClr>
-                </a:solidFill>
-                <a:latin typeface="Arial" pitchFamily="34" charset="0"/>
-                <a:cs typeface="Arial" pitchFamily="34" charset="0"/>
-              </a:rPr>
-              <a:t>letra</a:t>
-            </a:r>
-            <a:r>
-              <a:rPr lang="en-US" sz="2000" b="1" dirty="0">
-                <a:solidFill>
-                  <a:schemeClr val="tx1">
-                    <a:lumMod val="95000"/>
-                    <a:lumOff val="5000"/>
-                  </a:schemeClr>
-                </a:solidFill>
-                <a:latin typeface="Arial" pitchFamily="34" charset="0"/>
-                <a:cs typeface="Arial" pitchFamily="34" charset="0"/>
-              </a:rPr>
-              <a:t> </a:t>
-            </a:r>
-            <a:r>
-              <a:rPr lang="en-US" sz="2000" dirty="0">
-                <a:solidFill>
-                  <a:schemeClr val="tx1">
-                    <a:lumMod val="95000"/>
-                    <a:lumOff val="5000"/>
-                  </a:schemeClr>
-                </a:solidFill>
-                <a:latin typeface="Arial" pitchFamily="34" charset="0"/>
-                <a:cs typeface="Arial" pitchFamily="34" charset="0"/>
-              </a:rPr>
-              <a:t>(</a:t>
-            </a:r>
-            <a:r>
-              <a:rPr lang="en-US" sz="2000" dirty="0" err="1">
-                <a:solidFill>
-                  <a:schemeClr val="tx1">
-                    <a:lumMod val="95000"/>
-                    <a:lumOff val="5000"/>
-                  </a:schemeClr>
-                </a:solidFill>
-                <a:latin typeface="Arial" pitchFamily="34" charset="0"/>
-                <a:cs typeface="Arial" pitchFamily="34" charset="0"/>
-              </a:rPr>
-              <a:t>si</a:t>
-            </a:r>
-            <a:r>
-              <a:rPr lang="en-US" sz="2000" dirty="0">
-                <a:solidFill>
-                  <a:schemeClr val="tx1">
-                    <a:lumMod val="95000"/>
-                    <a:lumOff val="5000"/>
-                  </a:schemeClr>
-                </a:solidFill>
-                <a:latin typeface="Arial" pitchFamily="34" charset="0"/>
-                <a:cs typeface="Arial" pitchFamily="34" charset="0"/>
-              </a:rPr>
-              <a:t> es fin de </a:t>
-            </a:r>
-            <a:r>
-              <a:rPr lang="en-US" sz="2000" dirty="0" err="1">
-                <a:solidFill>
-                  <a:schemeClr val="tx1">
-                    <a:lumMod val="95000"/>
-                    <a:lumOff val="5000"/>
-                  </a:schemeClr>
-                </a:solidFill>
-                <a:latin typeface="Arial" pitchFamily="34" charset="0"/>
-                <a:cs typeface="Arial" pitchFamily="34" charset="0"/>
-              </a:rPr>
-              <a:t>archivo</a:t>
-            </a:r>
-            <a:r>
-              <a:rPr lang="en-US" sz="2000" dirty="0">
-                <a:solidFill>
-                  <a:schemeClr val="tx1">
-                    <a:lumMod val="95000"/>
-                    <a:lumOff val="5000"/>
-                  </a:schemeClr>
-                </a:solidFill>
-                <a:latin typeface="Arial" pitchFamily="34" charset="0"/>
-                <a:cs typeface="Arial" pitchFamily="34" charset="0"/>
-              </a:rPr>
-              <a:t>)</a:t>
-            </a:r>
-            <a:endParaRPr lang="es-ES" sz="2000" dirty="0">
-              <a:solidFill>
-                <a:schemeClr val="tx1">
-                  <a:lumMod val="95000"/>
-                  <a:lumOff val="5000"/>
-                </a:schemeClr>
-              </a:solidFill>
-              <a:latin typeface="Arial" pitchFamily="34" charset="0"/>
-              <a:cs typeface="Arial" pitchFamily="34" charset="0"/>
-            </a:endParaRPr>
-          </a:p>
-          <a:p>
-            <a:pPr>
-              <a:lnSpc>
-                <a:spcPts val="2600"/>
-              </a:lnSpc>
-            </a:pPr>
-            <a:r>
-              <a:rPr lang="es-ES" sz="2000" dirty="0">
-                <a:solidFill>
-                  <a:schemeClr val="tx1">
-                    <a:lumMod val="95000"/>
-                    <a:lumOff val="5000"/>
-                  </a:schemeClr>
-                </a:solidFill>
-                <a:latin typeface="Arial" pitchFamily="34" charset="0"/>
-                <a:cs typeface="Arial" pitchFamily="34" charset="0"/>
-              </a:rPr>
-              <a:t>            	       continua = Falso (salir del ciclo)</a:t>
-            </a:r>
-          </a:p>
-          <a:p>
-            <a:pPr>
-              <a:lnSpc>
-                <a:spcPts val="2600"/>
-              </a:lnSpc>
-            </a:pPr>
-            <a:r>
-              <a:rPr lang="es-ES" sz="2000" dirty="0">
-                <a:solidFill>
-                  <a:schemeClr val="tx1">
-                    <a:lumMod val="95000"/>
-                    <a:lumOff val="5000"/>
-                  </a:schemeClr>
-                </a:solidFill>
-                <a:latin typeface="Arial" pitchFamily="34" charset="0"/>
-                <a:cs typeface="Arial" pitchFamily="34" charset="0"/>
-              </a:rPr>
-              <a:t>	</a:t>
-            </a:r>
-            <a:r>
-              <a:rPr lang="es-ES" sz="2000" dirty="0" err="1">
-                <a:solidFill>
-                  <a:schemeClr val="tx1">
-                    <a:lumMod val="95000"/>
-                    <a:lumOff val="5000"/>
-                  </a:schemeClr>
-                </a:solidFill>
-                <a:latin typeface="Arial" pitchFamily="34" charset="0"/>
-                <a:cs typeface="Arial" pitchFamily="34" charset="0"/>
-              </a:rPr>
-              <a:t>SiNo</a:t>
-            </a:r>
-            <a:endParaRPr lang="es-ES" sz="2000" dirty="0">
-              <a:solidFill>
-                <a:schemeClr val="tx1">
-                  <a:lumMod val="95000"/>
-                  <a:lumOff val="5000"/>
-                </a:schemeClr>
-              </a:solidFill>
-              <a:latin typeface="Arial" pitchFamily="34" charset="0"/>
-              <a:cs typeface="Arial" pitchFamily="34" charset="0"/>
-            </a:endParaRPr>
-          </a:p>
-          <a:p>
-            <a:pPr>
-              <a:lnSpc>
-                <a:spcPts val="2600"/>
-              </a:lnSpc>
-            </a:pPr>
-            <a:r>
-              <a:rPr lang="es-ES" sz="2000" dirty="0">
-                <a:solidFill>
-                  <a:schemeClr val="tx1">
-                    <a:lumMod val="95000"/>
-                    <a:lumOff val="5000"/>
-                  </a:schemeClr>
-                </a:solidFill>
-                <a:latin typeface="Arial" pitchFamily="34" charset="0"/>
-                <a:cs typeface="Arial" pitchFamily="34" charset="0"/>
-              </a:rPr>
-              <a:t>	       </a:t>
-            </a:r>
-            <a:r>
-              <a:rPr lang="es-ES" sz="2000" dirty="0" err="1">
-                <a:solidFill>
-                  <a:schemeClr val="tx1">
-                    <a:lumMod val="95000"/>
-                    <a:lumOff val="5000"/>
-                  </a:schemeClr>
-                </a:solidFill>
-                <a:latin typeface="Arial" pitchFamily="34" charset="0"/>
-                <a:cs typeface="Arial" pitchFamily="34" charset="0"/>
-              </a:rPr>
-              <a:t>cont</a:t>
-            </a:r>
-            <a:r>
-              <a:rPr lang="es-ES" sz="2000" dirty="0">
-                <a:solidFill>
-                  <a:schemeClr val="tx1">
-                    <a:lumMod val="95000"/>
-                    <a:lumOff val="5000"/>
-                  </a:schemeClr>
-                </a:solidFill>
-                <a:latin typeface="Arial" pitchFamily="34" charset="0"/>
-                <a:cs typeface="Arial" pitchFamily="34" charset="0"/>
-              </a:rPr>
-              <a:t> = </a:t>
-            </a:r>
-            <a:r>
-              <a:rPr lang="es-ES" sz="2000" dirty="0" err="1">
-                <a:solidFill>
-                  <a:schemeClr val="tx1">
-                    <a:lumMod val="95000"/>
-                    <a:lumOff val="5000"/>
-                  </a:schemeClr>
-                </a:solidFill>
-                <a:latin typeface="Arial" pitchFamily="34" charset="0"/>
-                <a:cs typeface="Arial" pitchFamily="34" charset="0"/>
-              </a:rPr>
-              <a:t>cont</a:t>
-            </a:r>
-            <a:r>
-              <a:rPr lang="es-ES" sz="2000" dirty="0">
-                <a:solidFill>
-                  <a:schemeClr val="tx1">
-                    <a:lumMod val="95000"/>
-                    <a:lumOff val="5000"/>
-                  </a:schemeClr>
-                </a:solidFill>
-                <a:latin typeface="Arial" pitchFamily="34" charset="0"/>
-                <a:cs typeface="Arial" pitchFamily="34" charset="0"/>
-              </a:rPr>
-              <a:t> + 1</a:t>
-            </a:r>
           </a:p>
           <a:p>
             <a:pPr>
@@ -17072,7 +16598,7 @@
         </p:nvSpPr>
         <p:spPr bwMode="auto">
           <a:xfrm>
-            <a:off x="539552" y="44624"/>
+            <a:off x="539552" y="230739"/>
             <a:ext cx="8280400" cy="936104"/>
           </a:xfrm>
           <a:prstGeom prst="rect">
@@ -17149,8 +16675,8 @@
         </p:nvSpPr>
         <p:spPr>
           <a:xfrm>
-            <a:off x="755056" y="980728"/>
-            <a:ext cx="7920880" cy="5632311"/>
+            <a:off x="917204" y="1496973"/>
+            <a:ext cx="7525096" cy="4524315"/>
           </a:xfrm>
           <a:prstGeom prst="rect">
             <a:avLst/>
@@ -17381,8 +16907,128 @@
                 <a:latin typeface="Arial" panose="020B0604020202020204" pitchFamily="34" charset="0"/>
                 <a:cs typeface="Arial" panose="020B0604020202020204" pitchFamily="34" charset="0"/>
               </a:rPr>
-              <a:t>	continua = True</a:t>
-            </a:r>
+              <a:t>	</a:t>
+            </a:r>
+            <a:r>
+              <a:rPr lang="es-ES" b="1" dirty="0">
+                <a:solidFill>
+                  <a:srgbClr val="0070C0"/>
+                </a:solidFill>
+                <a:latin typeface="Arial" pitchFamily="34" charset="0"/>
+                <a:cs typeface="Arial" pitchFamily="34" charset="0"/>
+              </a:rPr>
+              <a:t>letra </a:t>
+            </a:r>
+            <a:r>
+              <a:rPr lang="es-ES" b="1" dirty="0">
+                <a:solidFill>
+                  <a:schemeClr val="bg2">
+                    <a:lumMod val="25000"/>
+                  </a:schemeClr>
+                </a:solidFill>
+                <a:latin typeface="Arial" pitchFamily="34" charset="0"/>
+                <a:cs typeface="Arial" pitchFamily="34" charset="0"/>
+              </a:rPr>
+              <a:t>= </a:t>
+            </a:r>
+            <a:r>
+              <a:rPr lang="es-ES" b="1" dirty="0" err="1">
+                <a:solidFill>
+                  <a:schemeClr val="accent3">
+                    <a:lumMod val="75000"/>
+                  </a:schemeClr>
+                </a:solidFill>
+                <a:latin typeface="Arial" pitchFamily="34" charset="0"/>
+                <a:cs typeface="Arial" pitchFamily="34" charset="0"/>
+              </a:rPr>
+              <a:t>file.</a:t>
+            </a:r>
+            <a:r>
+              <a:rPr lang="es-ES" b="1" dirty="0" err="1">
+                <a:solidFill>
+                  <a:schemeClr val="accent6">
+                    <a:lumMod val="75000"/>
+                  </a:schemeClr>
+                </a:solidFill>
+                <a:latin typeface="Arial" pitchFamily="34" charset="0"/>
+                <a:cs typeface="Arial" pitchFamily="34" charset="0"/>
+              </a:rPr>
+              <a:t>read</a:t>
+            </a:r>
+            <a:r>
+              <a:rPr lang="es-ES" b="1" dirty="0">
+                <a:solidFill>
+                  <a:schemeClr val="accent6">
+                    <a:lumMod val="75000"/>
+                  </a:schemeClr>
+                </a:solidFill>
+                <a:latin typeface="Arial" pitchFamily="34" charset="0"/>
+                <a:cs typeface="Arial" pitchFamily="34" charset="0"/>
+              </a:rPr>
+              <a:t> (1) </a:t>
+            </a:r>
+            <a:r>
+              <a:rPr lang="en-US" b="1" dirty="0">
+                <a:solidFill>
+                  <a:schemeClr val="tx1">
+                    <a:lumMod val="50000"/>
+                    <a:lumOff val="50000"/>
+                  </a:schemeClr>
+                </a:solidFill>
+                <a:latin typeface="Arial" pitchFamily="34" charset="0"/>
+                <a:cs typeface="Arial" pitchFamily="34" charset="0"/>
+              </a:rPr>
+              <a:t># Lee un </a:t>
+            </a:r>
+            <a:r>
+              <a:rPr lang="en-US" b="1" dirty="0" err="1">
+                <a:solidFill>
+                  <a:schemeClr val="tx1">
+                    <a:lumMod val="50000"/>
+                    <a:lumOff val="50000"/>
+                  </a:schemeClr>
+                </a:solidFill>
+                <a:latin typeface="Arial" pitchFamily="34" charset="0"/>
+                <a:cs typeface="Arial" pitchFamily="34" charset="0"/>
+              </a:rPr>
+              <a:t>caracter</a:t>
+            </a:r>
+            <a:r>
+              <a:rPr lang="en-US" b="1" dirty="0">
+                <a:solidFill>
+                  <a:schemeClr val="tx1">
+                    <a:lumMod val="50000"/>
+                    <a:lumOff val="50000"/>
+                  </a:schemeClr>
+                </a:solidFill>
+                <a:latin typeface="Arial" pitchFamily="34" charset="0"/>
+                <a:cs typeface="Arial" pitchFamily="34" charset="0"/>
+              </a:rPr>
+              <a:t> del </a:t>
+            </a:r>
+            <a:r>
+              <a:rPr lang="en-US" b="1" dirty="0" err="1">
+                <a:solidFill>
+                  <a:schemeClr val="tx1">
+                    <a:lumMod val="50000"/>
+                    <a:lumOff val="50000"/>
+                  </a:schemeClr>
+                </a:solidFill>
+                <a:latin typeface="Arial" pitchFamily="34" charset="0"/>
+                <a:cs typeface="Arial" pitchFamily="34" charset="0"/>
+              </a:rPr>
+              <a:t>archivo</a:t>
+            </a:r>
+            <a:endParaRPr lang="es-MX" b="1" dirty="0">
+              <a:solidFill>
+                <a:schemeClr val="tx1">
+                  <a:lumMod val="95000"/>
+                  <a:lumOff val="5000"/>
+                </a:schemeClr>
+              </a:solidFill>
+              <a:latin typeface="Arial" panose="020B0604020202020204" pitchFamily="34" charset="0"/>
+              <a:cs typeface="Arial" panose="020B0604020202020204" pitchFamily="34" charset="0"/>
+            </a:endParaRPr>
           </a:p>
           <a:p>
             <a:r>
@@ -17421,7 +17067,42 @@
                 <a:latin typeface="Arial" pitchFamily="34" charset="0"/>
                 <a:cs typeface="Arial" pitchFamily="34" charset="0"/>
               </a:rPr>
-              <a:t> continua:</a:t>
+              <a:t> </a:t>
+            </a:r>
+            <a:r>
+              <a:rPr lang="es-ES" sz="1800" b="1" dirty="0">
+                <a:solidFill>
+                  <a:srgbClr val="0070C0"/>
+                </a:solidFill>
+                <a:latin typeface="Arial" pitchFamily="34" charset="0"/>
+                <a:cs typeface="Arial" pitchFamily="34" charset="0"/>
+              </a:rPr>
+              <a:t>letra</a:t>
+            </a:r>
+            <a:r>
+              <a:rPr lang="es-ES" sz="1800" b="1" dirty="0">
+                <a:solidFill>
+                  <a:schemeClr val="bg2">
+                    <a:lumMod val="25000"/>
+                  </a:schemeClr>
+                </a:solidFill>
+                <a:latin typeface="Arial" pitchFamily="34" charset="0"/>
+                <a:cs typeface="Arial" pitchFamily="34" charset="0"/>
+              </a:rPr>
+              <a:t> != '': </a:t>
+            </a:r>
+            <a:r>
+              <a:rPr lang="es-ES" sz="1800" b="1" dirty="0">
+                <a:solidFill>
+                  <a:schemeClr val="tx1">
+                    <a:lumMod val="50000"/>
+                    <a:lumOff val="50000"/>
+                  </a:schemeClr>
+                </a:solidFill>
+                <a:latin typeface="Arial" pitchFamily="34" charset="0"/>
+                <a:cs typeface="Arial" pitchFamily="34" charset="0"/>
+              </a:rPr>
+              <a:t># Si la letra es diferente de vacío.</a:t>
             </a:r>
           </a:p>
           <a:p>
@@ -17433,8 +17114,72 @@
                 <a:latin typeface="Arial" pitchFamily="34" charset="0"/>
                 <a:cs typeface="Arial" pitchFamily="34" charset="0"/>
               </a:rPr>
+              <a:t>		</a:t>
+            </a:r>
+            <a:r>
+              <a:rPr lang="es-ES" b="1" dirty="0" err="1">
+                <a:solidFill>
+                  <a:schemeClr val="tx1">
+                    <a:lumMod val="95000"/>
+                    <a:lumOff val="5000"/>
+                  </a:schemeClr>
+                </a:solidFill>
+                <a:latin typeface="Arial" pitchFamily="34" charset="0"/>
+                <a:cs typeface="Arial" pitchFamily="34" charset="0"/>
+              </a:rPr>
+              <a:t>cont</a:t>
+            </a:r>
+            <a:r>
+              <a:rPr lang="es-ES" b="1" dirty="0">
+                <a:solidFill>
+                  <a:schemeClr val="tx1">
+                    <a:lumMod val="95000"/>
+                    <a:lumOff val="5000"/>
+                  </a:schemeClr>
+                </a:solidFill>
+                <a:latin typeface="Arial" pitchFamily="34" charset="0"/>
+                <a:cs typeface="Arial" pitchFamily="34" charset="0"/>
+              </a:rPr>
+              <a:t> = </a:t>
+            </a:r>
+            <a:r>
+              <a:rPr lang="es-ES" b="1" dirty="0" err="1">
+                <a:solidFill>
+                  <a:schemeClr val="tx1">
+                    <a:lumMod val="95000"/>
+                    <a:lumOff val="5000"/>
+                  </a:schemeClr>
+                </a:solidFill>
+                <a:latin typeface="Arial" pitchFamily="34" charset="0"/>
+                <a:cs typeface="Arial" pitchFamily="34" charset="0"/>
+              </a:rPr>
+              <a:t>cont</a:t>
+            </a:r>
+            <a:r>
+              <a:rPr lang="es-ES" b="1" dirty="0">
+                <a:solidFill>
+                  <a:schemeClr val="tx1">
+                    <a:lumMod val="95000"/>
+                    <a:lumOff val="5000"/>
+                  </a:schemeClr>
+                </a:solidFill>
+                <a:latin typeface="Arial" pitchFamily="34" charset="0"/>
+                <a:cs typeface="Arial" pitchFamily="34" charset="0"/>
+              </a:rPr>
+              <a:t> + 1</a:t>
+            </a:r>
+            <a:r>
+              <a:rPr lang="es-ES" b="1" dirty="0">
+                <a:solidFill>
+                  <a:srgbClr val="00B050"/>
+                </a:solidFill>
+                <a:latin typeface="Arial" pitchFamily="34" charset="0"/>
+                <a:cs typeface="Arial" pitchFamily="34" charset="0"/>
+              </a:rPr>
               <a:t>        		</a:t>
             </a:r>
+          </a:p>
+          <a:p>
             <a:r>
               <a:rPr lang="es-ES" b="1" dirty="0">
                 <a:solidFill>
@@ -17443,7 +17188,7 @@
                 <a:latin typeface="Arial" pitchFamily="34" charset="0"/>
                 <a:cs typeface="Arial" pitchFamily="34" charset="0"/>
               </a:rPr>
-              <a:t>letra </a:t>
+              <a:t>                             letra </a:t>
             </a:r>
             <a:r>
               <a:rPr lang="es-ES" b="1" dirty="0">
@@ -17555,394 +17300,6 @@
               <a:latin typeface="Arial" pitchFamily="34" charset="0"/>
               <a:cs typeface="Arial" pitchFamily="34" charset="0"/>
             </a:endParaRPr>
-          </a:p>
-          <a:p>
-            <a:r>
-              <a:rPr lang="en-US" b="1" dirty="0">
-                <a:solidFill>
-                  <a:schemeClr val="tx1">
-                    <a:lumMod val="50000"/>
-                    <a:lumOff val="50000"/>
-                  </a:schemeClr>
-                </a:solidFill>
-                <a:latin typeface="Arial" pitchFamily="34" charset="0"/>
-                <a:cs typeface="Arial" pitchFamily="34" charset="0"/>
-              </a:rPr>
-              <a:t>		</a:t>
-            </a:r>
-            <a:r>
-              <a:rPr lang="es-ES" b="1" dirty="0" err="1">
-                <a:solidFill>
-                  <a:schemeClr val="tx1">
-                    <a:lumMod val="95000"/>
-                    <a:lumOff val="5000"/>
-                  </a:schemeClr>
-                </a:solidFill>
-                <a:latin typeface="Arial" pitchFamily="34" charset="0"/>
-                <a:cs typeface="Arial" pitchFamily="34" charset="0"/>
-              </a:rPr>
-              <a:t>if</a:t>
-            </a:r>
-            <a:r>
-              <a:rPr lang="es-ES" b="1" dirty="0">
-                <a:solidFill>
-                  <a:schemeClr val="tx1">
-                    <a:lumMod val="95000"/>
-                    <a:lumOff val="5000"/>
-                  </a:schemeClr>
-                </a:solidFill>
-                <a:latin typeface="Arial" pitchFamily="34" charset="0"/>
-                <a:cs typeface="Arial" pitchFamily="34" charset="0"/>
-              </a:rPr>
-              <a:t> </a:t>
-            </a:r>
-            <a:r>
-              <a:rPr lang="es-ES" b="1" dirty="0" err="1">
-                <a:solidFill>
-                  <a:schemeClr val="tx1">
-                    <a:lumMod val="95000"/>
-                    <a:lumOff val="5000"/>
-                  </a:schemeClr>
-                </a:solidFill>
-                <a:latin typeface="Arial" pitchFamily="34" charset="0"/>
-                <a:cs typeface="Arial" pitchFamily="34" charset="0"/>
-              </a:rPr>
-              <a:t>not</a:t>
-            </a:r>
-            <a:r>
-              <a:rPr lang="es-ES" b="1" dirty="0">
-                <a:solidFill>
-                  <a:schemeClr val="tx1">
-                    <a:lumMod val="95000"/>
-                    <a:lumOff val="5000"/>
-                  </a:schemeClr>
-                </a:solidFill>
-                <a:latin typeface="Arial" pitchFamily="34" charset="0"/>
-                <a:cs typeface="Arial" pitchFamily="34" charset="0"/>
-              </a:rPr>
-              <a:t> </a:t>
-            </a:r>
-            <a:r>
-              <a:rPr lang="es-ES" b="1" dirty="0">
-                <a:solidFill>
-                  <a:srgbClr val="0070C0"/>
-                </a:solidFill>
-                <a:latin typeface="Arial" pitchFamily="34" charset="0"/>
-                <a:cs typeface="Arial" pitchFamily="34" charset="0"/>
-              </a:rPr>
-              <a:t>letra</a:t>
-            </a:r>
-            <a:r>
-              <a:rPr lang="es-ES" b="1" dirty="0">
-                <a:solidFill>
-                  <a:schemeClr val="bg2">
-                    <a:lumMod val="25000"/>
-                  </a:schemeClr>
-                </a:solidFill>
-                <a:latin typeface="Arial" pitchFamily="34" charset="0"/>
-                <a:cs typeface="Arial" pitchFamily="34" charset="0"/>
-              </a:rPr>
-              <a:t>: </a:t>
-            </a:r>
-            <a:r>
-              <a:rPr lang="en-US" b="1" dirty="0">
-                <a:solidFill>
-                  <a:schemeClr val="tx1">
-                    <a:lumMod val="50000"/>
-                    <a:lumOff val="50000"/>
-                  </a:schemeClr>
-                </a:solidFill>
-                <a:latin typeface="Arial" pitchFamily="34" charset="0"/>
-                <a:cs typeface="Arial" pitchFamily="34" charset="0"/>
-              </a:rPr>
-              <a:t># Si no es </a:t>
-            </a:r>
-            <a:r>
-              <a:rPr lang="en-US" b="1" dirty="0" err="1">
-                <a:solidFill>
-                  <a:schemeClr val="tx1">
-                    <a:lumMod val="50000"/>
-                    <a:lumOff val="50000"/>
-                  </a:schemeClr>
-                </a:solidFill>
-                <a:latin typeface="Arial" pitchFamily="34" charset="0"/>
-                <a:cs typeface="Arial" pitchFamily="34" charset="0"/>
-              </a:rPr>
-              <a:t>letra</a:t>
-            </a:r>
-            <a:r>
-              <a:rPr lang="en-US" b="1" dirty="0">
-                <a:solidFill>
-                  <a:schemeClr val="tx1">
-                    <a:lumMod val="50000"/>
-                    <a:lumOff val="50000"/>
-                  </a:schemeClr>
-                </a:solidFill>
-                <a:latin typeface="Arial" pitchFamily="34" charset="0"/>
-                <a:cs typeface="Arial" pitchFamily="34" charset="0"/>
-              </a:rPr>
-              <a:t> (</a:t>
-            </a:r>
-            <a:r>
-              <a:rPr lang="en-US" b="1" dirty="0" err="1">
-                <a:solidFill>
-                  <a:schemeClr val="tx1">
-                    <a:lumMod val="50000"/>
-                    <a:lumOff val="50000"/>
-                  </a:schemeClr>
-                </a:solidFill>
-                <a:latin typeface="Arial" pitchFamily="34" charset="0"/>
-                <a:cs typeface="Arial" pitchFamily="34" charset="0"/>
-              </a:rPr>
-              <a:t>si</a:t>
-            </a:r>
-            <a:r>
-              <a:rPr lang="en-US" b="1" dirty="0">
-                <a:solidFill>
-                  <a:schemeClr val="tx1">
-                    <a:lumMod val="50000"/>
-                    <a:lumOff val="50000"/>
-                  </a:schemeClr>
-                </a:solidFill>
-                <a:latin typeface="Arial" pitchFamily="34" charset="0"/>
-                <a:cs typeface="Arial" pitchFamily="34" charset="0"/>
-              </a:rPr>
-              <a:t> es fin de </a:t>
-            </a:r>
-            <a:r>
-              <a:rPr lang="en-US" b="1" dirty="0" err="1">
-                <a:solidFill>
-                  <a:schemeClr val="tx1">
-                    <a:lumMod val="50000"/>
-                    <a:lumOff val="50000"/>
-                  </a:schemeClr>
-                </a:solidFill>
-                <a:latin typeface="Arial" pitchFamily="34" charset="0"/>
-                <a:cs typeface="Arial" pitchFamily="34" charset="0"/>
-              </a:rPr>
-              <a:t>archivo</a:t>
-            </a:r>
-            <a:r>
-              <a:rPr lang="en-US" b="1" dirty="0">
-                <a:solidFill>
-                  <a:schemeClr val="tx1">
-                    <a:lumMod val="50000"/>
-                    <a:lumOff val="50000"/>
-                  </a:schemeClr>
-                </a:solidFill>
-                <a:latin typeface="Arial" pitchFamily="34" charset="0"/>
-                <a:cs typeface="Arial" pitchFamily="34" charset="0"/>
-              </a:rPr>
-              <a:t>) o</a:t>
-            </a:r>
-          </a:p>
-          <a:p>
-            <a:r>
-              <a:rPr lang="es-ES" sz="1800" b="1" dirty="0">
-                <a:solidFill>
-                  <a:schemeClr val="bg2">
-                    <a:lumMod val="25000"/>
-                  </a:schemeClr>
-                </a:solidFill>
-                <a:latin typeface="Arial" pitchFamily="34" charset="0"/>
-                <a:cs typeface="Arial" pitchFamily="34" charset="0"/>
-              </a:rPr>
-              <a:t>                             </a:t>
-            </a:r>
-            <a:r>
-              <a:rPr lang="es-ES" sz="1800" b="1" dirty="0" err="1">
-                <a:solidFill>
-                  <a:schemeClr val="bg2">
-                    <a:lumMod val="25000"/>
-                  </a:schemeClr>
-                </a:solidFill>
-                <a:latin typeface="Arial" pitchFamily="34" charset="0"/>
-                <a:cs typeface="Arial" pitchFamily="34" charset="0"/>
-              </a:rPr>
-              <a:t>if</a:t>
-            </a:r>
-            <a:r>
-              <a:rPr lang="es-ES" sz="1800" b="1" dirty="0">
-                <a:solidFill>
-                  <a:schemeClr val="bg2">
-                    <a:lumMod val="25000"/>
-                  </a:schemeClr>
-                </a:solidFill>
-                <a:latin typeface="Arial" pitchFamily="34" charset="0"/>
-                <a:cs typeface="Arial" pitchFamily="34" charset="0"/>
-              </a:rPr>
-              <a:t> </a:t>
-            </a:r>
-            <a:r>
-              <a:rPr lang="es-ES" sz="1800" b="1" dirty="0">
-                <a:solidFill>
-                  <a:srgbClr val="0070C0"/>
-                </a:solidFill>
-                <a:latin typeface="Arial" pitchFamily="34" charset="0"/>
-                <a:cs typeface="Arial" pitchFamily="34" charset="0"/>
-              </a:rPr>
-              <a:t>letra</a:t>
-            </a:r>
-            <a:r>
-              <a:rPr lang="es-ES" sz="1800" b="1" dirty="0">
-                <a:solidFill>
-                  <a:schemeClr val="bg2">
-                    <a:lumMod val="25000"/>
-                  </a:schemeClr>
-                </a:solidFill>
-                <a:latin typeface="Arial" pitchFamily="34" charset="0"/>
-                <a:cs typeface="Arial" pitchFamily="34" charset="0"/>
-              </a:rPr>
-              <a:t> == '': </a:t>
-            </a:r>
-            <a:r>
-              <a:rPr lang="es-ES" sz="1800" b="1" dirty="0">
-                <a:solidFill>
-                  <a:schemeClr val="tx1">
-                    <a:lumMod val="50000"/>
-                    <a:lumOff val="50000"/>
-                  </a:schemeClr>
-                </a:solidFill>
-                <a:latin typeface="Arial" pitchFamily="34" charset="0"/>
-                <a:cs typeface="Arial" pitchFamily="34" charset="0"/>
-              </a:rPr>
-              <a:t># Si la letra es igual a vacío.</a:t>
-            </a:r>
-          </a:p>
-          <a:p>
-            <a:r>
-              <a:rPr lang="es-ES" b="1" dirty="0">
-                <a:solidFill>
-                  <a:schemeClr val="bg2">
-                    <a:lumMod val="25000"/>
-                  </a:schemeClr>
-                </a:solidFill>
-                <a:latin typeface="Arial" pitchFamily="34" charset="0"/>
-                <a:cs typeface="Arial" pitchFamily="34" charset="0"/>
-              </a:rPr>
-              <a:t>            			</a:t>
-            </a:r>
-            <a:r>
-              <a:rPr lang="es-ES" b="1" dirty="0">
-                <a:solidFill>
-                  <a:schemeClr val="tx1">
-                    <a:lumMod val="95000"/>
-                    <a:lumOff val="5000"/>
-                  </a:schemeClr>
-                </a:solidFill>
-                <a:latin typeface="Arial" pitchFamily="34" charset="0"/>
-                <a:cs typeface="Arial" pitchFamily="34" charset="0"/>
-              </a:rPr>
-              <a:t>continua = False</a:t>
-            </a:r>
-          </a:p>
-          <a:p>
-            <a:r>
-              <a:rPr lang="es-ES" b="1" dirty="0">
-                <a:solidFill>
-                  <a:schemeClr val="tx1">
-                    <a:lumMod val="95000"/>
-                    <a:lumOff val="5000"/>
-                  </a:schemeClr>
-                </a:solidFill>
-                <a:latin typeface="Arial" pitchFamily="34" charset="0"/>
-                <a:cs typeface="Arial" pitchFamily="34" charset="0"/>
-              </a:rPr>
-              <a:t>		</a:t>
-            </a:r>
-            <a:r>
-              <a:rPr lang="es-ES" b="1" dirty="0" err="1">
-                <a:solidFill>
-                  <a:schemeClr val="tx1">
-                    <a:lumMod val="95000"/>
-                    <a:lumOff val="5000"/>
-                  </a:schemeClr>
-                </a:solidFill>
-                <a:latin typeface="Arial" pitchFamily="34" charset="0"/>
-                <a:cs typeface="Arial" pitchFamily="34" charset="0"/>
-              </a:rPr>
-              <a:t>else</a:t>
-            </a:r>
-            <a:r>
-              <a:rPr lang="es-ES" b="1" dirty="0">
-                <a:solidFill>
-                  <a:schemeClr val="tx1">
-                    <a:lumMod val="95000"/>
-                    <a:lumOff val="5000"/>
-                  </a:schemeClr>
-                </a:solidFill>
-                <a:latin typeface="Arial" pitchFamily="34" charset="0"/>
-                <a:cs typeface="Arial" pitchFamily="34" charset="0"/>
-              </a:rPr>
-              <a:t>:</a:t>
-            </a:r>
-          </a:p>
-          <a:p>
-            <a:r>
-              <a:rPr lang="es-ES" b="1" dirty="0">
-                <a:solidFill>
-                  <a:schemeClr val="tx1">
-                    <a:lumMod val="95000"/>
-                    <a:lumOff val="5000"/>
-                  </a:schemeClr>
-                </a:solidFill>
-                <a:latin typeface="Arial" pitchFamily="34" charset="0"/>
-                <a:cs typeface="Arial" pitchFamily="34" charset="0"/>
-              </a:rPr>
-              <a:t>			</a:t>
-            </a:r>
-            <a:r>
-              <a:rPr lang="es-ES" b="1" dirty="0" err="1">
-                <a:solidFill>
-                  <a:schemeClr val="tx1">
-                    <a:lumMod val="95000"/>
-                    <a:lumOff val="5000"/>
-                  </a:schemeClr>
-                </a:solidFill>
-                <a:latin typeface="Arial" pitchFamily="34" charset="0"/>
-                <a:cs typeface="Arial" pitchFamily="34" charset="0"/>
-              </a:rPr>
-              <a:t>cont</a:t>
-            </a:r>
-            <a:r>
-              <a:rPr lang="es-ES" b="1" dirty="0">
-                <a:solidFill>
-                  <a:schemeClr val="tx1">
-                    <a:lumMod val="95000"/>
-                    <a:lumOff val="5000"/>
-                  </a:schemeClr>
-                </a:solidFill>
-                <a:latin typeface="Arial" pitchFamily="34" charset="0"/>
-                <a:cs typeface="Arial" pitchFamily="34" charset="0"/>
-              </a:rPr>
-              <a:t> = </a:t>
-            </a:r>
-            <a:r>
-              <a:rPr lang="es-ES" b="1" dirty="0" err="1">
-                <a:solidFill>
-                  <a:schemeClr val="tx1">
-                    <a:lumMod val="95000"/>
-                    <a:lumOff val="5000"/>
-                  </a:schemeClr>
-                </a:solidFill>
-                <a:latin typeface="Arial" pitchFamily="34" charset="0"/>
-                <a:cs typeface="Arial" pitchFamily="34" charset="0"/>
-              </a:rPr>
-              <a:t>cont</a:t>
-            </a:r>
-            <a:r>
-              <a:rPr lang="es-ES" b="1" dirty="0">
-                <a:solidFill>
-                  <a:schemeClr val="tx1">
-                    <a:lumMod val="95000"/>
-                    <a:lumOff val="5000"/>
-                  </a:schemeClr>
-                </a:solidFill>
-                <a:latin typeface="Arial" pitchFamily="34" charset="0"/>
-                <a:cs typeface="Arial" pitchFamily="34" charset="0"/>
-              </a:rPr>
-              <a:t> + 1</a:t>
-            </a:r>
           </a:p>
           <a:p>
             <a:r>
@@ -18378,7 +17735,7 @@
         </p:blipFill>
         <p:spPr>
           <a:xfrm>
-            <a:off x="6805288" y="963283"/>
+            <a:off x="7236296" y="5157538"/>
             <a:ext cx="1583656" cy="1469723"/>
           </a:xfrm>
           <a:prstGeom prst="rect">
